--- a/Viet-Lao-Dictionary_FINAL.pptx
+++ b/Viet-Lao-Dictionary_FINAL.pptx
@@ -11,17 +11,18 @@
     <p:sldId id="270" r:id="rId5"/>
     <p:sldId id="275" r:id="rId6"/>
     <p:sldId id="271" r:id="rId7"/>
-    <p:sldId id="276" r:id="rId8"/>
-    <p:sldId id="272" r:id="rId9"/>
-    <p:sldId id="266" r:id="rId10"/>
-    <p:sldId id="257" r:id="rId11"/>
-    <p:sldId id="268" r:id="rId12"/>
-    <p:sldId id="258" r:id="rId13"/>
-    <p:sldId id="259" r:id="rId14"/>
-    <p:sldId id="261" r:id="rId15"/>
-    <p:sldId id="262" r:id="rId16"/>
-    <p:sldId id="269" r:id="rId17"/>
-    <p:sldId id="278" r:id="rId18"/>
+    <p:sldId id="279" r:id="rId8"/>
+    <p:sldId id="276" r:id="rId9"/>
+    <p:sldId id="272" r:id="rId10"/>
+    <p:sldId id="266" r:id="rId11"/>
+    <p:sldId id="257" r:id="rId12"/>
+    <p:sldId id="268" r:id="rId13"/>
+    <p:sldId id="258" r:id="rId14"/>
+    <p:sldId id="259" r:id="rId15"/>
+    <p:sldId id="261" r:id="rId16"/>
+    <p:sldId id="262" r:id="rId17"/>
+    <p:sldId id="269" r:id="rId18"/>
+    <p:sldId id="278" r:id="rId19"/>
   </p:sldIdLst>
   <p:sldSz cx="12192000" cy="6858000"/>
   <p:notesSz cx="6858000" cy="9144000"/>
@@ -18624,6 +18625,1695 @@
         </p:nvSpPr>
         <p:spPr>
           <a:xfrm>
+            <a:off x="677334" y="237067"/>
+            <a:ext cx="8596668" cy="795867"/>
+          </a:xfrm>
+        </p:spPr>
+        <p:txBody>
+          <a:bodyPr/>
+          <a:lstStyle/>
+          <a:p>
+            <a:pPr algn="ctr"/>
+            <a:r>
+              <a:rPr lang="en-US" b="1" dirty="0" smtClean="0"/>
+              <a:t>Plan overview</a:t>
+            </a:r>
+            <a:endParaRPr lang="vi-VN" b="1" dirty="0"/>
+          </a:p>
+        </p:txBody>
+      </p:sp>
+      <p:graphicFrame>
+        <p:nvGraphicFramePr>
+          <p:cNvPr id="4" name="Content Placeholder 3"/>
+          <p:cNvGraphicFramePr>
+            <a:graphicFrameLocks noGrp="1"/>
+          </p:cNvGraphicFramePr>
+          <p:nvPr>
+            <p:ph idx="1"/>
+            <p:extLst>
+              <p:ext uri="{D42A27DB-BD31-4B8C-83A1-F6EECF244321}">
+                <p14:modId xmlns:p14="http://schemas.microsoft.com/office/powerpoint/2010/main" val="1308904654"/>
+              </p:ext>
+            </p:extLst>
+          </p:nvPr>
+        </p:nvGraphicFramePr>
+        <p:xfrm>
+          <a:off x="677334" y="1126068"/>
+          <a:ext cx="9633145" cy="5630325"/>
+        </p:xfrm>
+        <a:graphic>
+          <a:graphicData uri="http://schemas.openxmlformats.org/drawingml/2006/table">
+            <a:tbl>
+              <a:tblPr firstRow="1" firstCol="1" bandRow="1">
+                <a:tableStyleId>{5C22544A-7EE6-4342-B048-85BDC9FD1C3A}</a:tableStyleId>
+              </a:tblPr>
+              <a:tblGrid>
+                <a:gridCol w="1445182">
+                  <a:extLst>
+                    <a:ext uri="{9D8B030D-6E8A-4147-A177-3AD203B41FA5}">
+                      <a16:colId xmlns:a16="http://schemas.microsoft.com/office/drawing/2014/main" val="3722740892"/>
+                    </a:ext>
+                  </a:extLst>
+                </a:gridCol>
+                <a:gridCol w="2648464">
+                  <a:extLst>
+                    <a:ext uri="{9D8B030D-6E8A-4147-A177-3AD203B41FA5}">
+                      <a16:colId xmlns:a16="http://schemas.microsoft.com/office/drawing/2014/main" val="435946919"/>
+                    </a:ext>
+                  </a:extLst>
+                </a:gridCol>
+                <a:gridCol w="1966299">
+                  <a:extLst>
+                    <a:ext uri="{9D8B030D-6E8A-4147-A177-3AD203B41FA5}">
+                      <a16:colId xmlns:a16="http://schemas.microsoft.com/office/drawing/2014/main" val="4089942463"/>
+                    </a:ext>
+                  </a:extLst>
+                </a:gridCol>
+                <a:gridCol w="3573200">
+                  <a:extLst>
+                    <a:ext uri="{9D8B030D-6E8A-4147-A177-3AD203B41FA5}">
+                      <a16:colId xmlns:a16="http://schemas.microsoft.com/office/drawing/2014/main" val="1840482386"/>
+                    </a:ext>
+                  </a:extLst>
+                </a:gridCol>
+              </a:tblGrid>
+              <a:tr h="653989">
+                <a:tc>
+                  <a:txBody>
+                    <a:bodyPr/>
+                    <a:lstStyle/>
+                    <a:p>
+                      <a:pPr marL="0" marR="0" algn="just">
+                        <a:lnSpc>
+                          <a:spcPct val="115000"/>
+                        </a:lnSpc>
+                        <a:spcBef>
+                          <a:spcPts val="0"/>
+                        </a:spcBef>
+                        <a:spcAft>
+                          <a:spcPts val="0"/>
+                        </a:spcAft>
+                      </a:pPr>
+                      <a:r>
+                        <a:rPr lang="en-US" sz="1800" dirty="0">
+                          <a:effectLst/>
+                        </a:rPr>
+                        <a:t>Date &amp; time</a:t>
+                      </a:r>
+                      <a:endParaRPr lang="en-US" sz="1800" dirty="0">
+                        <a:effectLst/>
+                        <a:latin typeface="Times New Roman" panose="02020603050405020304" pitchFamily="18" charset="0"/>
+                        <a:ea typeface="Calibri" panose="020F0502020204030204" pitchFamily="34" charset="0"/>
+                        <a:cs typeface="Cordia New" panose="020B0304020202020204" pitchFamily="34" charset="-34"/>
+                      </a:endParaRPr>
+                    </a:p>
+                  </a:txBody>
+                  <a:tcPr marL="55047" marR="55047" marT="0" marB="0"/>
+                </a:tc>
+                <a:tc>
+                  <a:txBody>
+                    <a:bodyPr/>
+                    <a:lstStyle/>
+                    <a:p>
+                      <a:pPr marL="0" marR="0" algn="just">
+                        <a:lnSpc>
+                          <a:spcPct val="115000"/>
+                        </a:lnSpc>
+                        <a:spcBef>
+                          <a:spcPts val="0"/>
+                        </a:spcBef>
+                        <a:spcAft>
+                          <a:spcPts val="0"/>
+                        </a:spcAft>
+                      </a:pPr>
+                      <a:r>
+                        <a:rPr lang="en-US" sz="1800">
+                          <a:effectLst/>
+                        </a:rPr>
+                        <a:t>Tasks</a:t>
+                      </a:r>
+                      <a:endParaRPr lang="en-US" sz="1800">
+                        <a:effectLst/>
+                        <a:latin typeface="Times New Roman" panose="02020603050405020304" pitchFamily="18" charset="0"/>
+                        <a:ea typeface="Calibri" panose="020F0502020204030204" pitchFamily="34" charset="0"/>
+                        <a:cs typeface="Cordia New" panose="020B0304020202020204" pitchFamily="34" charset="-34"/>
+                      </a:endParaRPr>
+                    </a:p>
+                  </a:txBody>
+                  <a:tcPr marL="55047" marR="55047" marT="0" marB="0"/>
+                </a:tc>
+                <a:tc>
+                  <a:txBody>
+                    <a:bodyPr/>
+                    <a:lstStyle/>
+                    <a:p>
+                      <a:pPr marL="0" marR="0" algn="just">
+                        <a:lnSpc>
+                          <a:spcPct val="115000"/>
+                        </a:lnSpc>
+                        <a:spcBef>
+                          <a:spcPts val="0"/>
+                        </a:spcBef>
+                        <a:spcAft>
+                          <a:spcPts val="0"/>
+                        </a:spcAft>
+                      </a:pPr>
+                      <a:r>
+                        <a:rPr lang="en-US" sz="1800" dirty="0">
+                          <a:effectLst/>
+                        </a:rPr>
+                        <a:t>Time frame</a:t>
+                      </a:r>
+                    </a:p>
+                    <a:p>
+                      <a:pPr marL="0" marR="0" algn="just">
+                        <a:lnSpc>
+                          <a:spcPct val="115000"/>
+                        </a:lnSpc>
+                        <a:spcBef>
+                          <a:spcPts val="0"/>
+                        </a:spcBef>
+                        <a:spcAft>
+                          <a:spcPts val="0"/>
+                        </a:spcAft>
+                      </a:pPr>
+                      <a:r>
+                        <a:rPr lang="en-US" sz="1800" dirty="0">
+                          <a:effectLst/>
+                        </a:rPr>
+                        <a:t>(man hour)</a:t>
+                      </a:r>
+                      <a:endParaRPr lang="en-US" sz="1800" dirty="0">
+                        <a:effectLst/>
+                        <a:latin typeface="Times New Roman" panose="02020603050405020304" pitchFamily="18" charset="0"/>
+                        <a:ea typeface="Calibri" panose="020F0502020204030204" pitchFamily="34" charset="0"/>
+                        <a:cs typeface="Cordia New" panose="020B0304020202020204" pitchFamily="34" charset="-34"/>
+                      </a:endParaRPr>
+                    </a:p>
+                  </a:txBody>
+                  <a:tcPr marL="55047" marR="55047" marT="0" marB="0"/>
+                </a:tc>
+                <a:tc>
+                  <a:txBody>
+                    <a:bodyPr/>
+                    <a:lstStyle/>
+                    <a:p>
+                      <a:pPr marL="0" marR="0">
+                        <a:lnSpc>
+                          <a:spcPct val="115000"/>
+                        </a:lnSpc>
+                        <a:spcBef>
+                          <a:spcPts val="0"/>
+                        </a:spcBef>
+                        <a:spcAft>
+                          <a:spcPts val="0"/>
+                        </a:spcAft>
+                      </a:pPr>
+                      <a:r>
+                        <a:rPr lang="en-US" sz="1800">
+                          <a:effectLst/>
+                        </a:rPr>
+                        <a:t>Products</a:t>
+                      </a:r>
+                      <a:endParaRPr lang="en-US" sz="1800">
+                        <a:effectLst/>
+                        <a:latin typeface="Times New Roman" panose="02020603050405020304" pitchFamily="18" charset="0"/>
+                        <a:ea typeface="Calibri" panose="020F0502020204030204" pitchFamily="34" charset="0"/>
+                        <a:cs typeface="Cordia New" panose="020B0304020202020204" pitchFamily="34" charset="-34"/>
+                      </a:endParaRPr>
+                    </a:p>
+                  </a:txBody>
+                  <a:tcPr marL="55047" marR="55047" marT="0" marB="0"/>
+                </a:tc>
+                <a:extLst>
+                  <a:ext uri="{0D108BD9-81ED-4DB2-BD59-A6C34878D82A}">
+                    <a16:rowId xmlns:a16="http://schemas.microsoft.com/office/drawing/2014/main" val="2152964943"/>
+                  </a:ext>
+                </a:extLst>
+              </a:tr>
+              <a:tr h="866187">
+                <a:tc>
+                  <a:txBody>
+                    <a:bodyPr/>
+                    <a:lstStyle/>
+                    <a:p>
+                      <a:pPr marL="0" marR="0" algn="just">
+                        <a:lnSpc>
+                          <a:spcPct val="115000"/>
+                        </a:lnSpc>
+                        <a:spcBef>
+                          <a:spcPts val="0"/>
+                        </a:spcBef>
+                        <a:spcAft>
+                          <a:spcPts val="0"/>
+                        </a:spcAft>
+                      </a:pPr>
+                      <a:r>
+                        <a:rPr lang="en-US" sz="1800">
+                          <a:effectLst/>
+                        </a:rPr>
+                        <a:t>20/2/2017</a:t>
+                      </a:r>
+                    </a:p>
+                    <a:p>
+                      <a:pPr marL="0" marR="0" algn="just">
+                        <a:lnSpc>
+                          <a:spcPct val="115000"/>
+                        </a:lnSpc>
+                        <a:spcBef>
+                          <a:spcPts val="0"/>
+                        </a:spcBef>
+                        <a:spcAft>
+                          <a:spcPts val="0"/>
+                        </a:spcAft>
+                      </a:pPr>
+                      <a:r>
+                        <a:rPr lang="en-US" sz="1800">
+                          <a:effectLst/>
+                        </a:rPr>
+                        <a:t>Starting</a:t>
+                      </a:r>
+                      <a:endParaRPr lang="en-US" sz="1800">
+                        <a:effectLst/>
+                        <a:latin typeface="Times New Roman" panose="02020603050405020304" pitchFamily="18" charset="0"/>
+                        <a:ea typeface="Calibri" panose="020F0502020204030204" pitchFamily="34" charset="0"/>
+                        <a:cs typeface="Cordia New" panose="020B0304020202020204" pitchFamily="34" charset="-34"/>
+                      </a:endParaRPr>
+                    </a:p>
+                  </a:txBody>
+                  <a:tcPr marL="55047" marR="55047" marT="0" marB="0"/>
+                </a:tc>
+                <a:tc>
+                  <a:txBody>
+                    <a:bodyPr/>
+                    <a:lstStyle/>
+                    <a:p>
+                      <a:pPr marL="0" marR="0" algn="just">
+                        <a:lnSpc>
+                          <a:spcPct val="115000"/>
+                        </a:lnSpc>
+                        <a:spcBef>
+                          <a:spcPts val="0"/>
+                        </a:spcBef>
+                        <a:spcAft>
+                          <a:spcPts val="0"/>
+                        </a:spcAft>
+                      </a:pPr>
+                      <a:r>
+                        <a:rPr lang="en-US" sz="1800">
+                          <a:effectLst/>
+                        </a:rPr>
+                        <a:t>Divide group &amp; Choose topic</a:t>
+                      </a:r>
+                      <a:endParaRPr lang="en-US" sz="1800">
+                        <a:effectLst/>
+                        <a:latin typeface="Times New Roman" panose="02020603050405020304" pitchFamily="18" charset="0"/>
+                        <a:ea typeface="Calibri" panose="020F0502020204030204" pitchFamily="34" charset="0"/>
+                        <a:cs typeface="Cordia New" panose="020B0304020202020204" pitchFamily="34" charset="-34"/>
+                      </a:endParaRPr>
+                    </a:p>
+                  </a:txBody>
+                  <a:tcPr marL="55047" marR="55047" marT="0" marB="0"/>
+                </a:tc>
+                <a:tc>
+                  <a:txBody>
+                    <a:bodyPr/>
+                    <a:lstStyle/>
+                    <a:p>
+                      <a:pPr marL="0" marR="0" algn="just">
+                        <a:lnSpc>
+                          <a:spcPct val="115000"/>
+                        </a:lnSpc>
+                        <a:spcBef>
+                          <a:spcPts val="0"/>
+                        </a:spcBef>
+                        <a:spcAft>
+                          <a:spcPts val="0"/>
+                        </a:spcAft>
+                      </a:pPr>
+                      <a:r>
+                        <a:rPr lang="en-US" sz="1800">
+                          <a:effectLst/>
+                        </a:rPr>
+                        <a:t>1day</a:t>
+                      </a:r>
+                      <a:endParaRPr lang="en-US" sz="1800">
+                        <a:effectLst/>
+                        <a:latin typeface="Times New Roman" panose="02020603050405020304" pitchFamily="18" charset="0"/>
+                        <a:ea typeface="Calibri" panose="020F0502020204030204" pitchFamily="34" charset="0"/>
+                        <a:cs typeface="Cordia New" panose="020B0304020202020204" pitchFamily="34" charset="-34"/>
+                      </a:endParaRPr>
+                    </a:p>
+                  </a:txBody>
+                  <a:tcPr marL="55047" marR="55047" marT="0" marB="0"/>
+                </a:tc>
+                <a:tc>
+                  <a:txBody>
+                    <a:bodyPr/>
+                    <a:lstStyle/>
+                    <a:p>
+                      <a:pPr marL="0" marR="0">
+                        <a:lnSpc>
+                          <a:spcPct val="115000"/>
+                        </a:lnSpc>
+                        <a:spcBef>
+                          <a:spcPts val="0"/>
+                        </a:spcBef>
+                        <a:spcAft>
+                          <a:spcPts val="0"/>
+                        </a:spcAft>
+                      </a:pPr>
+                      <a:r>
+                        <a:rPr lang="en-US" sz="1800" dirty="0">
+                          <a:effectLst/>
+                        </a:rPr>
+                        <a:t>Name group: </a:t>
+                      </a:r>
+                      <a:r>
+                        <a:rPr lang="en-US" sz="1800" dirty="0" err="1">
+                          <a:effectLst/>
+                        </a:rPr>
+                        <a:t>MyFriend</a:t>
+                      </a:r>
+                      <a:endParaRPr lang="en-US" sz="1800" dirty="0">
+                        <a:effectLst/>
+                      </a:endParaRPr>
+                    </a:p>
+                    <a:p>
+                      <a:pPr marL="0" marR="0">
+                        <a:lnSpc>
+                          <a:spcPct val="115000"/>
+                        </a:lnSpc>
+                        <a:spcBef>
+                          <a:spcPts val="0"/>
+                        </a:spcBef>
+                        <a:spcAft>
+                          <a:spcPts val="0"/>
+                        </a:spcAft>
+                      </a:pPr>
+                      <a:r>
+                        <a:rPr lang="en-US" sz="1800" dirty="0">
+                          <a:effectLst/>
+                        </a:rPr>
+                        <a:t>App: Dictionary Viet Nam - Laos</a:t>
+                      </a:r>
+                      <a:endParaRPr lang="en-US" sz="1800" dirty="0">
+                        <a:effectLst/>
+                        <a:latin typeface="Times New Roman" panose="02020603050405020304" pitchFamily="18" charset="0"/>
+                        <a:ea typeface="Calibri" panose="020F0502020204030204" pitchFamily="34" charset="0"/>
+                        <a:cs typeface="Cordia New" panose="020B0304020202020204" pitchFamily="34" charset="-34"/>
+                      </a:endParaRPr>
+                    </a:p>
+                  </a:txBody>
+                  <a:tcPr marL="55047" marR="55047" marT="0" marB="0"/>
+                </a:tc>
+                <a:extLst>
+                  <a:ext uri="{0D108BD9-81ED-4DB2-BD59-A6C34878D82A}">
+                    <a16:rowId xmlns:a16="http://schemas.microsoft.com/office/drawing/2014/main" val="2019957854"/>
+                  </a:ext>
+                </a:extLst>
+              </a:tr>
+              <a:tr h="788472">
+                <a:tc>
+                  <a:txBody>
+                    <a:bodyPr/>
+                    <a:lstStyle/>
+                    <a:p>
+                      <a:pPr marL="0" marR="0">
+                        <a:lnSpc>
+                          <a:spcPct val="115000"/>
+                        </a:lnSpc>
+                        <a:spcBef>
+                          <a:spcPts val="0"/>
+                        </a:spcBef>
+                        <a:spcAft>
+                          <a:spcPts val="0"/>
+                        </a:spcAft>
+                      </a:pPr>
+                      <a:r>
+                        <a:rPr lang="en-US" sz="1800">
+                          <a:effectLst/>
+                        </a:rPr>
+                        <a:t>21/02/2017</a:t>
+                      </a:r>
+                    </a:p>
+                    <a:p>
+                      <a:pPr marL="0" marR="0">
+                        <a:lnSpc>
+                          <a:spcPct val="115000"/>
+                        </a:lnSpc>
+                        <a:spcBef>
+                          <a:spcPts val="0"/>
+                        </a:spcBef>
+                        <a:spcAft>
+                          <a:spcPts val="0"/>
+                        </a:spcAft>
+                      </a:pPr>
+                      <a:r>
+                        <a:rPr lang="en-US" sz="1800">
+                          <a:effectLst/>
+                        </a:rPr>
+                        <a:t> </a:t>
+                      </a:r>
+                      <a:endParaRPr lang="en-US" sz="1800">
+                        <a:effectLst/>
+                        <a:latin typeface="Times New Roman" panose="02020603050405020304" pitchFamily="18" charset="0"/>
+                        <a:ea typeface="Calibri" panose="020F0502020204030204" pitchFamily="34" charset="0"/>
+                        <a:cs typeface="Cordia New" panose="020B0304020202020204" pitchFamily="34" charset="-34"/>
+                      </a:endParaRPr>
+                    </a:p>
+                  </a:txBody>
+                  <a:tcPr marL="55047" marR="55047" marT="0" marB="0"/>
+                </a:tc>
+                <a:tc>
+                  <a:txBody>
+                    <a:bodyPr/>
+                    <a:lstStyle/>
+                    <a:p>
+                      <a:pPr marL="0" marR="0" algn="just">
+                        <a:lnSpc>
+                          <a:spcPct val="115000"/>
+                        </a:lnSpc>
+                        <a:spcBef>
+                          <a:spcPts val="0"/>
+                        </a:spcBef>
+                        <a:spcAft>
+                          <a:spcPts val="0"/>
+                        </a:spcAft>
+                      </a:pPr>
+                      <a:r>
+                        <a:rPr lang="en-US" sz="1800">
+                          <a:effectLst/>
+                        </a:rPr>
+                        <a:t>Requirement</a:t>
+                      </a:r>
+                      <a:endParaRPr lang="en-US" sz="1800">
+                        <a:effectLst/>
+                        <a:latin typeface="Times New Roman" panose="02020603050405020304" pitchFamily="18" charset="0"/>
+                        <a:ea typeface="Calibri" panose="020F0502020204030204" pitchFamily="34" charset="0"/>
+                        <a:cs typeface="Cordia New" panose="020B0304020202020204" pitchFamily="34" charset="-34"/>
+                      </a:endParaRPr>
+                    </a:p>
+                  </a:txBody>
+                  <a:tcPr marL="55047" marR="55047" marT="0" marB="0"/>
+                </a:tc>
+                <a:tc>
+                  <a:txBody>
+                    <a:bodyPr/>
+                    <a:lstStyle/>
+                    <a:p>
+                      <a:pPr marL="0" marR="0" algn="just">
+                        <a:lnSpc>
+                          <a:spcPct val="115000"/>
+                        </a:lnSpc>
+                        <a:spcBef>
+                          <a:spcPts val="0"/>
+                        </a:spcBef>
+                        <a:spcAft>
+                          <a:spcPts val="0"/>
+                        </a:spcAft>
+                      </a:pPr>
+                      <a:r>
+                        <a:rPr lang="en-US" sz="1800" dirty="0">
+                          <a:effectLst/>
+                        </a:rPr>
+                        <a:t>6 day</a:t>
+                      </a:r>
+                      <a:endParaRPr lang="en-US" sz="1800" dirty="0">
+                        <a:effectLst/>
+                        <a:latin typeface="Times New Roman" panose="02020603050405020304" pitchFamily="18" charset="0"/>
+                        <a:ea typeface="Calibri" panose="020F0502020204030204" pitchFamily="34" charset="0"/>
+                        <a:cs typeface="Cordia New" panose="020B0304020202020204" pitchFamily="34" charset="-34"/>
+                      </a:endParaRPr>
+                    </a:p>
+                  </a:txBody>
+                  <a:tcPr marL="55047" marR="55047" marT="0" marB="0"/>
+                </a:tc>
+                <a:tc>
+                  <a:txBody>
+                    <a:bodyPr/>
+                    <a:lstStyle/>
+                    <a:p>
+                      <a:pPr marL="0" marR="0">
+                        <a:lnSpc>
+                          <a:spcPct val="115000"/>
+                        </a:lnSpc>
+                        <a:spcBef>
+                          <a:spcPts val="0"/>
+                        </a:spcBef>
+                        <a:spcAft>
+                          <a:spcPts val="0"/>
+                        </a:spcAft>
+                      </a:pPr>
+                      <a:r>
+                        <a:rPr lang="en-US" sz="1800" dirty="0">
+                          <a:effectLst/>
+                        </a:rPr>
+                        <a:t>Identify user </a:t>
+                      </a:r>
+                      <a:r>
+                        <a:rPr lang="en-US" sz="1800" dirty="0" smtClean="0">
+                          <a:effectLst/>
+                        </a:rPr>
+                        <a:t>needs.</a:t>
+                      </a:r>
+                      <a:r>
+                        <a:rPr lang="en-US" sz="1800" dirty="0">
+                          <a:effectLst/>
+                        </a:rPr>
+                        <a:t/>
+                      </a:r>
+                      <a:br>
+                        <a:rPr lang="en-US" sz="1800" dirty="0">
+                          <a:effectLst/>
+                        </a:rPr>
+                      </a:br>
+                      <a:r>
+                        <a:rPr lang="en-US" sz="1800" dirty="0">
+                          <a:effectLst/>
+                        </a:rPr>
+                        <a:t>Programming on android </a:t>
+                      </a:r>
+                      <a:r>
+                        <a:rPr lang="en-US" sz="1800" dirty="0" smtClean="0">
+                          <a:effectLst/>
+                        </a:rPr>
+                        <a:t>platform</a:t>
+                      </a:r>
+                      <a:endParaRPr lang="en-US" sz="1800" dirty="0">
+                        <a:effectLst/>
+                        <a:latin typeface="Times New Roman" panose="02020603050405020304" pitchFamily="18" charset="0"/>
+                        <a:ea typeface="Calibri" panose="020F0502020204030204" pitchFamily="34" charset="0"/>
+                        <a:cs typeface="Cordia New" panose="020B0304020202020204" pitchFamily="34" charset="-34"/>
+                      </a:endParaRPr>
+                    </a:p>
+                  </a:txBody>
+                  <a:tcPr marL="55047" marR="55047" marT="0" marB="0"/>
+                </a:tc>
+                <a:extLst>
+                  <a:ext uri="{0D108BD9-81ED-4DB2-BD59-A6C34878D82A}">
+                    <a16:rowId xmlns:a16="http://schemas.microsoft.com/office/drawing/2014/main" val="2378376232"/>
+                  </a:ext>
+                </a:extLst>
+              </a:tr>
+              <a:tr h="653989">
+                <a:tc>
+                  <a:txBody>
+                    <a:bodyPr/>
+                    <a:lstStyle/>
+                    <a:p>
+                      <a:pPr marL="0" marR="0">
+                        <a:lnSpc>
+                          <a:spcPct val="115000"/>
+                        </a:lnSpc>
+                        <a:spcBef>
+                          <a:spcPts val="0"/>
+                        </a:spcBef>
+                        <a:spcAft>
+                          <a:spcPts val="0"/>
+                        </a:spcAft>
+                      </a:pPr>
+                      <a:r>
+                        <a:rPr lang="en-US" sz="1800">
+                          <a:effectLst/>
+                        </a:rPr>
+                        <a:t>27/02/2017</a:t>
+                      </a:r>
+                      <a:endParaRPr lang="en-US" sz="1800">
+                        <a:effectLst/>
+                        <a:latin typeface="Times New Roman" panose="02020603050405020304" pitchFamily="18" charset="0"/>
+                        <a:ea typeface="Calibri" panose="020F0502020204030204" pitchFamily="34" charset="0"/>
+                        <a:cs typeface="Cordia New" panose="020B0304020202020204" pitchFamily="34" charset="-34"/>
+                      </a:endParaRPr>
+                    </a:p>
+                  </a:txBody>
+                  <a:tcPr marL="55047" marR="55047" marT="0" marB="0"/>
+                </a:tc>
+                <a:tc>
+                  <a:txBody>
+                    <a:bodyPr/>
+                    <a:lstStyle/>
+                    <a:p>
+                      <a:pPr marL="0" marR="0" algn="just">
+                        <a:lnSpc>
+                          <a:spcPct val="115000"/>
+                        </a:lnSpc>
+                        <a:spcBef>
+                          <a:spcPts val="0"/>
+                        </a:spcBef>
+                        <a:spcAft>
+                          <a:spcPts val="0"/>
+                        </a:spcAft>
+                      </a:pPr>
+                      <a:r>
+                        <a:rPr lang="en-US" sz="1800">
+                          <a:effectLst/>
+                        </a:rPr>
+                        <a:t>System analysis</a:t>
+                      </a:r>
+                      <a:endParaRPr lang="en-US" sz="1800">
+                        <a:effectLst/>
+                        <a:latin typeface="Times New Roman" panose="02020603050405020304" pitchFamily="18" charset="0"/>
+                        <a:ea typeface="Calibri" panose="020F0502020204030204" pitchFamily="34" charset="0"/>
+                        <a:cs typeface="Cordia New" panose="020B0304020202020204" pitchFamily="34" charset="-34"/>
+                      </a:endParaRPr>
+                    </a:p>
+                  </a:txBody>
+                  <a:tcPr marL="55047" marR="55047" marT="0" marB="0"/>
+                </a:tc>
+                <a:tc>
+                  <a:txBody>
+                    <a:bodyPr/>
+                    <a:lstStyle/>
+                    <a:p>
+                      <a:pPr marL="0" marR="0" algn="just">
+                        <a:lnSpc>
+                          <a:spcPct val="115000"/>
+                        </a:lnSpc>
+                        <a:spcBef>
+                          <a:spcPts val="0"/>
+                        </a:spcBef>
+                        <a:spcAft>
+                          <a:spcPts val="0"/>
+                        </a:spcAft>
+                      </a:pPr>
+                      <a:r>
+                        <a:rPr lang="en-US" sz="1800">
+                          <a:effectLst/>
+                        </a:rPr>
+                        <a:t>7 day</a:t>
+                      </a:r>
+                      <a:endParaRPr lang="en-US" sz="1800">
+                        <a:effectLst/>
+                        <a:latin typeface="Times New Roman" panose="02020603050405020304" pitchFamily="18" charset="0"/>
+                        <a:ea typeface="Calibri" panose="020F0502020204030204" pitchFamily="34" charset="0"/>
+                        <a:cs typeface="Cordia New" panose="020B0304020202020204" pitchFamily="34" charset="-34"/>
+                      </a:endParaRPr>
+                    </a:p>
+                  </a:txBody>
+                  <a:tcPr marL="55047" marR="55047" marT="0" marB="0"/>
+                </a:tc>
+                <a:tc>
+                  <a:txBody>
+                    <a:bodyPr/>
+                    <a:lstStyle/>
+                    <a:p>
+                      <a:pPr marL="0" marR="0">
+                        <a:lnSpc>
+                          <a:spcPct val="115000"/>
+                        </a:lnSpc>
+                        <a:spcBef>
+                          <a:spcPts val="0"/>
+                        </a:spcBef>
+                        <a:spcAft>
+                          <a:spcPts val="0"/>
+                        </a:spcAft>
+                      </a:pPr>
+                      <a:r>
+                        <a:rPr lang="en-US" sz="1800" dirty="0">
+                          <a:effectLst/>
+                        </a:rPr>
+                        <a:t>Using SQLite Data base.</a:t>
+                      </a:r>
+                    </a:p>
+                    <a:p>
+                      <a:pPr marL="0" marR="0">
+                        <a:lnSpc>
+                          <a:spcPct val="115000"/>
+                        </a:lnSpc>
+                        <a:spcBef>
+                          <a:spcPts val="0"/>
+                        </a:spcBef>
+                        <a:spcAft>
+                          <a:spcPts val="0"/>
+                        </a:spcAft>
+                      </a:pPr>
+                      <a:r>
+                        <a:rPr lang="en-US" sz="1800" dirty="0">
+                          <a:effectLst/>
+                        </a:rPr>
+                        <a:t>User </a:t>
+                      </a:r>
+                      <a:r>
+                        <a:rPr lang="en-US" sz="1800" dirty="0" smtClean="0">
+                          <a:effectLst/>
+                        </a:rPr>
+                        <a:t>interface</a:t>
+                      </a:r>
+                      <a:endParaRPr lang="en-US" sz="1800" dirty="0">
+                        <a:effectLst/>
+                        <a:latin typeface="Times New Roman" panose="02020603050405020304" pitchFamily="18" charset="0"/>
+                        <a:ea typeface="Calibri" panose="020F0502020204030204" pitchFamily="34" charset="0"/>
+                        <a:cs typeface="Cordia New" panose="020B0304020202020204" pitchFamily="34" charset="-34"/>
+                      </a:endParaRPr>
+                    </a:p>
+                  </a:txBody>
+                  <a:tcPr marL="55047" marR="55047" marT="0" marB="0"/>
+                </a:tc>
+                <a:extLst>
+                  <a:ext uri="{0D108BD9-81ED-4DB2-BD59-A6C34878D82A}">
+                    <a16:rowId xmlns:a16="http://schemas.microsoft.com/office/drawing/2014/main" val="2204769487"/>
+                  </a:ext>
+                </a:extLst>
+              </a:tr>
+              <a:tr h="653989">
+                <a:tc>
+                  <a:txBody>
+                    <a:bodyPr/>
+                    <a:lstStyle/>
+                    <a:p>
+                      <a:pPr marL="0" marR="0" algn="just">
+                        <a:lnSpc>
+                          <a:spcPct val="115000"/>
+                        </a:lnSpc>
+                        <a:spcBef>
+                          <a:spcPts val="0"/>
+                        </a:spcBef>
+                        <a:spcAft>
+                          <a:spcPts val="0"/>
+                        </a:spcAft>
+                      </a:pPr>
+                      <a:r>
+                        <a:rPr lang="en-US" sz="1800">
+                          <a:effectLst/>
+                        </a:rPr>
+                        <a:t>6/3/2017</a:t>
+                      </a:r>
+                    </a:p>
+                    <a:p>
+                      <a:pPr marL="0" marR="0" algn="just">
+                        <a:lnSpc>
+                          <a:spcPct val="115000"/>
+                        </a:lnSpc>
+                        <a:spcBef>
+                          <a:spcPts val="0"/>
+                        </a:spcBef>
+                        <a:spcAft>
+                          <a:spcPts val="0"/>
+                        </a:spcAft>
+                      </a:pPr>
+                      <a:r>
+                        <a:rPr lang="en-US" sz="1800">
+                          <a:effectLst/>
+                        </a:rPr>
+                        <a:t> </a:t>
+                      </a:r>
+                      <a:endParaRPr lang="en-US" sz="1800">
+                        <a:effectLst/>
+                        <a:latin typeface="Times New Roman" panose="02020603050405020304" pitchFamily="18" charset="0"/>
+                        <a:ea typeface="Calibri" panose="020F0502020204030204" pitchFamily="34" charset="0"/>
+                        <a:cs typeface="Cordia New" panose="020B0304020202020204" pitchFamily="34" charset="-34"/>
+                      </a:endParaRPr>
+                    </a:p>
+                  </a:txBody>
+                  <a:tcPr marL="55047" marR="55047" marT="0" marB="0"/>
+                </a:tc>
+                <a:tc>
+                  <a:txBody>
+                    <a:bodyPr/>
+                    <a:lstStyle/>
+                    <a:p>
+                      <a:pPr marL="0" marR="0" algn="just">
+                        <a:lnSpc>
+                          <a:spcPct val="115000"/>
+                        </a:lnSpc>
+                        <a:spcBef>
+                          <a:spcPts val="0"/>
+                        </a:spcBef>
+                        <a:spcAft>
+                          <a:spcPts val="0"/>
+                        </a:spcAft>
+                      </a:pPr>
+                      <a:r>
+                        <a:rPr lang="en-US" sz="1800">
+                          <a:effectLst/>
+                        </a:rPr>
+                        <a:t>Data base design</a:t>
+                      </a:r>
+                      <a:endParaRPr lang="en-US" sz="1800">
+                        <a:effectLst/>
+                        <a:latin typeface="Times New Roman" panose="02020603050405020304" pitchFamily="18" charset="0"/>
+                        <a:ea typeface="Calibri" panose="020F0502020204030204" pitchFamily="34" charset="0"/>
+                        <a:cs typeface="Cordia New" panose="020B0304020202020204" pitchFamily="34" charset="-34"/>
+                      </a:endParaRPr>
+                    </a:p>
+                  </a:txBody>
+                  <a:tcPr marL="55047" marR="55047" marT="0" marB="0"/>
+                </a:tc>
+                <a:tc>
+                  <a:txBody>
+                    <a:bodyPr/>
+                    <a:lstStyle/>
+                    <a:p>
+                      <a:pPr marL="0" marR="0" algn="just">
+                        <a:lnSpc>
+                          <a:spcPct val="115000"/>
+                        </a:lnSpc>
+                        <a:spcBef>
+                          <a:spcPts val="0"/>
+                        </a:spcBef>
+                        <a:spcAft>
+                          <a:spcPts val="0"/>
+                        </a:spcAft>
+                      </a:pPr>
+                      <a:r>
+                        <a:rPr lang="en-US" sz="1800">
+                          <a:effectLst/>
+                        </a:rPr>
+                        <a:t>7 day</a:t>
+                      </a:r>
+                      <a:endParaRPr lang="en-US" sz="1800">
+                        <a:effectLst/>
+                        <a:latin typeface="Times New Roman" panose="02020603050405020304" pitchFamily="18" charset="0"/>
+                        <a:ea typeface="Calibri" panose="020F0502020204030204" pitchFamily="34" charset="0"/>
+                        <a:cs typeface="Cordia New" panose="020B0304020202020204" pitchFamily="34" charset="-34"/>
+                      </a:endParaRPr>
+                    </a:p>
+                  </a:txBody>
+                  <a:tcPr marL="55047" marR="55047" marT="0" marB="0"/>
+                </a:tc>
+                <a:tc>
+                  <a:txBody>
+                    <a:bodyPr/>
+                    <a:lstStyle/>
+                    <a:p>
+                      <a:pPr marL="0" marR="0">
+                        <a:lnSpc>
+                          <a:spcPct val="115000"/>
+                        </a:lnSpc>
+                        <a:spcBef>
+                          <a:spcPts val="0"/>
+                        </a:spcBef>
+                        <a:spcAft>
+                          <a:spcPts val="0"/>
+                        </a:spcAft>
+                      </a:pPr>
+                      <a:r>
+                        <a:rPr lang="en-US" sz="1800">
+                          <a:effectLst/>
+                        </a:rPr>
+                        <a:t>Database is complete (db_TUDIEN.db)</a:t>
+                      </a:r>
+                      <a:endParaRPr lang="en-US" sz="1800">
+                        <a:effectLst/>
+                        <a:latin typeface="Times New Roman" panose="02020603050405020304" pitchFamily="18" charset="0"/>
+                        <a:ea typeface="Calibri" panose="020F0502020204030204" pitchFamily="34" charset="0"/>
+                        <a:cs typeface="Cordia New" panose="020B0304020202020204" pitchFamily="34" charset="-34"/>
+                      </a:endParaRPr>
+                    </a:p>
+                  </a:txBody>
+                  <a:tcPr marL="55047" marR="55047" marT="0" marB="0"/>
+                </a:tc>
+                <a:extLst>
+                  <a:ext uri="{0D108BD9-81ED-4DB2-BD59-A6C34878D82A}">
+                    <a16:rowId xmlns:a16="http://schemas.microsoft.com/office/drawing/2014/main" val="1276333084"/>
+                  </a:ext>
+                </a:extLst>
+              </a:tr>
+              <a:tr h="653989">
+                <a:tc>
+                  <a:txBody>
+                    <a:bodyPr/>
+                    <a:lstStyle/>
+                    <a:p>
+                      <a:pPr marL="0" marR="0" algn="just">
+                        <a:lnSpc>
+                          <a:spcPct val="115000"/>
+                        </a:lnSpc>
+                        <a:spcBef>
+                          <a:spcPts val="0"/>
+                        </a:spcBef>
+                        <a:spcAft>
+                          <a:spcPts val="0"/>
+                        </a:spcAft>
+                      </a:pPr>
+                      <a:r>
+                        <a:rPr lang="en-US" sz="1800">
+                          <a:effectLst/>
+                        </a:rPr>
+                        <a:t>13/3/2017</a:t>
+                      </a:r>
+                      <a:endParaRPr lang="en-US" sz="1800">
+                        <a:effectLst/>
+                        <a:latin typeface="Times New Roman" panose="02020603050405020304" pitchFamily="18" charset="0"/>
+                        <a:ea typeface="Calibri" panose="020F0502020204030204" pitchFamily="34" charset="0"/>
+                        <a:cs typeface="Cordia New" panose="020B0304020202020204" pitchFamily="34" charset="-34"/>
+                      </a:endParaRPr>
+                    </a:p>
+                  </a:txBody>
+                  <a:tcPr marL="55047" marR="55047" marT="0" marB="0"/>
+                </a:tc>
+                <a:tc>
+                  <a:txBody>
+                    <a:bodyPr/>
+                    <a:lstStyle/>
+                    <a:p>
+                      <a:pPr marL="0" marR="0" algn="just">
+                        <a:lnSpc>
+                          <a:spcPct val="115000"/>
+                        </a:lnSpc>
+                        <a:spcBef>
+                          <a:spcPts val="0"/>
+                        </a:spcBef>
+                        <a:spcAft>
+                          <a:spcPts val="0"/>
+                        </a:spcAft>
+                      </a:pPr>
+                      <a:r>
+                        <a:rPr lang="en-US" sz="1800">
+                          <a:effectLst/>
+                        </a:rPr>
+                        <a:t>User Interface design</a:t>
+                      </a:r>
+                      <a:endParaRPr lang="en-US" sz="1800">
+                        <a:effectLst/>
+                        <a:latin typeface="Times New Roman" panose="02020603050405020304" pitchFamily="18" charset="0"/>
+                        <a:ea typeface="Calibri" panose="020F0502020204030204" pitchFamily="34" charset="0"/>
+                        <a:cs typeface="Cordia New" panose="020B0304020202020204" pitchFamily="34" charset="-34"/>
+                      </a:endParaRPr>
+                    </a:p>
+                  </a:txBody>
+                  <a:tcPr marL="55047" marR="55047" marT="0" marB="0"/>
+                </a:tc>
+                <a:tc>
+                  <a:txBody>
+                    <a:bodyPr/>
+                    <a:lstStyle/>
+                    <a:p>
+                      <a:pPr marL="0" marR="0" algn="just">
+                        <a:lnSpc>
+                          <a:spcPct val="115000"/>
+                        </a:lnSpc>
+                        <a:spcBef>
+                          <a:spcPts val="0"/>
+                        </a:spcBef>
+                        <a:spcAft>
+                          <a:spcPts val="0"/>
+                        </a:spcAft>
+                      </a:pPr>
+                      <a:r>
+                        <a:rPr lang="en-US" sz="1800" dirty="0">
+                          <a:effectLst/>
+                        </a:rPr>
+                        <a:t>14 day</a:t>
+                      </a:r>
+                      <a:endParaRPr lang="en-US" sz="1800" dirty="0">
+                        <a:effectLst/>
+                        <a:latin typeface="Times New Roman" panose="02020603050405020304" pitchFamily="18" charset="0"/>
+                        <a:ea typeface="Calibri" panose="020F0502020204030204" pitchFamily="34" charset="0"/>
+                        <a:cs typeface="Cordia New" panose="020B0304020202020204" pitchFamily="34" charset="-34"/>
+                      </a:endParaRPr>
+                    </a:p>
+                  </a:txBody>
+                  <a:tcPr marL="55047" marR="55047" marT="0" marB="0"/>
+                </a:tc>
+                <a:tc>
+                  <a:txBody>
+                    <a:bodyPr/>
+                    <a:lstStyle/>
+                    <a:p>
+                      <a:pPr marL="0" marR="0">
+                        <a:lnSpc>
+                          <a:spcPct val="115000"/>
+                        </a:lnSpc>
+                        <a:spcBef>
+                          <a:spcPts val="0"/>
+                        </a:spcBef>
+                        <a:spcAft>
+                          <a:spcPts val="0"/>
+                        </a:spcAft>
+                      </a:pPr>
+                      <a:r>
+                        <a:rPr lang="en-US" sz="1800" dirty="0">
+                          <a:effectLst/>
+                        </a:rPr>
+                        <a:t>Dictionary Viet Nam – Laos for </a:t>
+                      </a:r>
+                      <a:r>
+                        <a:rPr lang="en-US" sz="1800" dirty="0" smtClean="0">
+                          <a:effectLst/>
+                        </a:rPr>
+                        <a:t>Android</a:t>
+                      </a:r>
+                      <a:endParaRPr lang="en-US" sz="1800" dirty="0">
+                        <a:effectLst/>
+                        <a:latin typeface="Times New Roman" panose="02020603050405020304" pitchFamily="18" charset="0"/>
+                        <a:ea typeface="Calibri" panose="020F0502020204030204" pitchFamily="34" charset="0"/>
+                        <a:cs typeface="Cordia New" panose="020B0304020202020204" pitchFamily="34" charset="-34"/>
+                      </a:endParaRPr>
+                    </a:p>
+                  </a:txBody>
+                  <a:tcPr marL="55047" marR="55047" marT="0" marB="0"/>
+                </a:tc>
+                <a:extLst>
+                  <a:ext uri="{0D108BD9-81ED-4DB2-BD59-A6C34878D82A}">
+                    <a16:rowId xmlns:a16="http://schemas.microsoft.com/office/drawing/2014/main" val="1466139490"/>
+                  </a:ext>
+                </a:extLst>
+              </a:tr>
+              <a:tr h="653989">
+                <a:tc>
+                  <a:txBody>
+                    <a:bodyPr/>
+                    <a:lstStyle/>
+                    <a:p>
+                      <a:pPr marL="0" marR="0" algn="just">
+                        <a:lnSpc>
+                          <a:spcPct val="115000"/>
+                        </a:lnSpc>
+                        <a:spcBef>
+                          <a:spcPts val="0"/>
+                        </a:spcBef>
+                        <a:spcAft>
+                          <a:spcPts val="0"/>
+                        </a:spcAft>
+                      </a:pPr>
+                      <a:r>
+                        <a:rPr lang="en-US" sz="1800">
+                          <a:effectLst/>
+                        </a:rPr>
+                        <a:t>27/3/2017</a:t>
+                      </a:r>
+                      <a:endParaRPr lang="en-US" sz="1800">
+                        <a:effectLst/>
+                        <a:latin typeface="Times New Roman" panose="02020603050405020304" pitchFamily="18" charset="0"/>
+                        <a:ea typeface="Calibri" panose="020F0502020204030204" pitchFamily="34" charset="0"/>
+                        <a:cs typeface="Cordia New" panose="020B0304020202020204" pitchFamily="34" charset="-34"/>
+                      </a:endParaRPr>
+                    </a:p>
+                  </a:txBody>
+                  <a:tcPr marL="55047" marR="55047" marT="0" marB="0"/>
+                </a:tc>
+                <a:tc>
+                  <a:txBody>
+                    <a:bodyPr/>
+                    <a:lstStyle/>
+                    <a:p>
+                      <a:pPr marL="0" marR="0" algn="just">
+                        <a:lnSpc>
+                          <a:spcPct val="115000"/>
+                        </a:lnSpc>
+                        <a:spcBef>
+                          <a:spcPts val="0"/>
+                        </a:spcBef>
+                        <a:spcAft>
+                          <a:spcPts val="0"/>
+                        </a:spcAft>
+                      </a:pPr>
+                      <a:r>
+                        <a:rPr lang="en-US" sz="1800">
+                          <a:effectLst/>
+                        </a:rPr>
+                        <a:t>Testing</a:t>
+                      </a:r>
+                      <a:endParaRPr lang="en-US" sz="1800">
+                        <a:effectLst/>
+                        <a:latin typeface="Times New Roman" panose="02020603050405020304" pitchFamily="18" charset="0"/>
+                        <a:ea typeface="Calibri" panose="020F0502020204030204" pitchFamily="34" charset="0"/>
+                        <a:cs typeface="Cordia New" panose="020B0304020202020204" pitchFamily="34" charset="-34"/>
+                      </a:endParaRPr>
+                    </a:p>
+                  </a:txBody>
+                  <a:tcPr marL="55047" marR="55047" marT="0" marB="0"/>
+                </a:tc>
+                <a:tc>
+                  <a:txBody>
+                    <a:bodyPr/>
+                    <a:lstStyle/>
+                    <a:p>
+                      <a:pPr marL="0" marR="0" algn="just">
+                        <a:lnSpc>
+                          <a:spcPct val="115000"/>
+                        </a:lnSpc>
+                        <a:spcBef>
+                          <a:spcPts val="0"/>
+                        </a:spcBef>
+                        <a:spcAft>
+                          <a:spcPts val="0"/>
+                        </a:spcAft>
+                      </a:pPr>
+                      <a:r>
+                        <a:rPr lang="en-US" sz="1800" dirty="0">
+                          <a:effectLst/>
+                        </a:rPr>
+                        <a:t>7 day</a:t>
+                      </a:r>
+                      <a:endParaRPr lang="en-US" sz="1800" dirty="0">
+                        <a:effectLst/>
+                        <a:latin typeface="Times New Roman" panose="02020603050405020304" pitchFamily="18" charset="0"/>
+                        <a:ea typeface="Calibri" panose="020F0502020204030204" pitchFamily="34" charset="0"/>
+                        <a:cs typeface="Cordia New" panose="020B0304020202020204" pitchFamily="34" charset="-34"/>
+                      </a:endParaRPr>
+                    </a:p>
+                  </a:txBody>
+                  <a:tcPr marL="55047" marR="55047" marT="0" marB="0"/>
+                </a:tc>
+                <a:tc>
+                  <a:txBody>
+                    <a:bodyPr/>
+                    <a:lstStyle/>
+                    <a:p>
+                      <a:pPr marL="0" marR="0">
+                        <a:lnSpc>
+                          <a:spcPct val="115000"/>
+                        </a:lnSpc>
+                        <a:spcBef>
+                          <a:spcPts val="0"/>
+                        </a:spcBef>
+                        <a:spcAft>
+                          <a:spcPts val="0"/>
+                        </a:spcAft>
+                      </a:pPr>
+                      <a:r>
+                        <a:rPr lang="en-US" sz="1800">
+                          <a:effectLst/>
+                        </a:rPr>
+                        <a:t>Fix bug.</a:t>
+                      </a:r>
+                    </a:p>
+                    <a:p>
+                      <a:pPr marL="0" marR="0">
+                        <a:lnSpc>
+                          <a:spcPct val="115000"/>
+                        </a:lnSpc>
+                        <a:spcBef>
+                          <a:spcPts val="0"/>
+                        </a:spcBef>
+                        <a:spcAft>
+                          <a:spcPts val="0"/>
+                        </a:spcAft>
+                      </a:pPr>
+                      <a:r>
+                        <a:rPr lang="en-US" sz="1800">
+                          <a:effectLst/>
+                        </a:rPr>
+                        <a:t>Fix logic error.</a:t>
+                      </a:r>
+                      <a:endParaRPr lang="en-US" sz="1800">
+                        <a:effectLst/>
+                        <a:latin typeface="Times New Roman" panose="02020603050405020304" pitchFamily="18" charset="0"/>
+                        <a:ea typeface="Calibri" panose="020F0502020204030204" pitchFamily="34" charset="0"/>
+                        <a:cs typeface="Cordia New" panose="020B0304020202020204" pitchFamily="34" charset="-34"/>
+                      </a:endParaRPr>
+                    </a:p>
+                  </a:txBody>
+                  <a:tcPr marL="55047" marR="55047" marT="0" marB="0"/>
+                </a:tc>
+                <a:extLst>
+                  <a:ext uri="{0D108BD9-81ED-4DB2-BD59-A6C34878D82A}">
+                    <a16:rowId xmlns:a16="http://schemas.microsoft.com/office/drawing/2014/main" val="2184297339"/>
+                  </a:ext>
+                </a:extLst>
+              </a:tr>
+              <a:tr h="326995">
+                <a:tc>
+                  <a:txBody>
+                    <a:bodyPr/>
+                    <a:lstStyle/>
+                    <a:p>
+                      <a:pPr marL="0" marR="0" algn="just">
+                        <a:lnSpc>
+                          <a:spcPct val="115000"/>
+                        </a:lnSpc>
+                        <a:spcBef>
+                          <a:spcPts val="0"/>
+                        </a:spcBef>
+                        <a:spcAft>
+                          <a:spcPts val="0"/>
+                        </a:spcAft>
+                      </a:pPr>
+                      <a:r>
+                        <a:rPr lang="en-US" sz="1800">
+                          <a:effectLst/>
+                        </a:rPr>
+                        <a:t>03/4/2017</a:t>
+                      </a:r>
+                      <a:endParaRPr lang="en-US" sz="1800">
+                        <a:effectLst/>
+                        <a:latin typeface="Times New Roman" panose="02020603050405020304" pitchFamily="18" charset="0"/>
+                        <a:ea typeface="Calibri" panose="020F0502020204030204" pitchFamily="34" charset="0"/>
+                        <a:cs typeface="Cordia New" panose="020B0304020202020204" pitchFamily="34" charset="-34"/>
+                      </a:endParaRPr>
+                    </a:p>
+                  </a:txBody>
+                  <a:tcPr marL="55047" marR="55047" marT="0" marB="0"/>
+                </a:tc>
+                <a:tc>
+                  <a:txBody>
+                    <a:bodyPr/>
+                    <a:lstStyle/>
+                    <a:p>
+                      <a:pPr marL="0" marR="0" algn="just">
+                        <a:lnSpc>
+                          <a:spcPct val="115000"/>
+                        </a:lnSpc>
+                        <a:spcBef>
+                          <a:spcPts val="0"/>
+                        </a:spcBef>
+                        <a:spcAft>
+                          <a:spcPts val="0"/>
+                        </a:spcAft>
+                      </a:pPr>
+                      <a:r>
+                        <a:rPr lang="en-US" sz="1800">
+                          <a:effectLst/>
+                        </a:rPr>
+                        <a:t>Implementation</a:t>
+                      </a:r>
+                      <a:endParaRPr lang="en-US" sz="1800">
+                        <a:effectLst/>
+                        <a:latin typeface="Times New Roman" panose="02020603050405020304" pitchFamily="18" charset="0"/>
+                        <a:ea typeface="Calibri" panose="020F0502020204030204" pitchFamily="34" charset="0"/>
+                        <a:cs typeface="Cordia New" panose="020B0304020202020204" pitchFamily="34" charset="-34"/>
+                      </a:endParaRPr>
+                    </a:p>
+                  </a:txBody>
+                  <a:tcPr marL="55047" marR="55047" marT="0" marB="0"/>
+                </a:tc>
+                <a:tc>
+                  <a:txBody>
+                    <a:bodyPr/>
+                    <a:lstStyle/>
+                    <a:p>
+                      <a:pPr marL="0" marR="0" algn="just">
+                        <a:lnSpc>
+                          <a:spcPct val="115000"/>
+                        </a:lnSpc>
+                        <a:spcBef>
+                          <a:spcPts val="0"/>
+                        </a:spcBef>
+                        <a:spcAft>
+                          <a:spcPts val="0"/>
+                        </a:spcAft>
+                      </a:pPr>
+                      <a:r>
+                        <a:rPr lang="en-US" sz="1800" dirty="0">
+                          <a:effectLst/>
+                        </a:rPr>
+                        <a:t>7 day</a:t>
+                      </a:r>
+                      <a:endParaRPr lang="en-US" sz="1800" dirty="0">
+                        <a:effectLst/>
+                        <a:latin typeface="Times New Roman" panose="02020603050405020304" pitchFamily="18" charset="0"/>
+                        <a:ea typeface="Calibri" panose="020F0502020204030204" pitchFamily="34" charset="0"/>
+                        <a:cs typeface="Cordia New" panose="020B0304020202020204" pitchFamily="34" charset="-34"/>
+                      </a:endParaRPr>
+                    </a:p>
+                  </a:txBody>
+                  <a:tcPr marL="55047" marR="55047" marT="0" marB="0"/>
+                </a:tc>
+                <a:tc>
+                  <a:txBody>
+                    <a:bodyPr/>
+                    <a:lstStyle/>
+                    <a:p>
+                      <a:pPr marL="0" marR="0">
+                        <a:lnSpc>
+                          <a:spcPct val="115000"/>
+                        </a:lnSpc>
+                        <a:spcBef>
+                          <a:spcPts val="0"/>
+                        </a:spcBef>
+                        <a:spcAft>
+                          <a:spcPts val="0"/>
+                        </a:spcAft>
+                      </a:pPr>
+                      <a:r>
+                        <a:rPr lang="en-US" sz="1800">
+                          <a:effectLst/>
+                        </a:rPr>
+                        <a:t> </a:t>
+                      </a:r>
+                      <a:endParaRPr lang="en-US" sz="1800">
+                        <a:effectLst/>
+                        <a:latin typeface="Times New Roman" panose="02020603050405020304" pitchFamily="18" charset="0"/>
+                        <a:ea typeface="Calibri" panose="020F0502020204030204" pitchFamily="34" charset="0"/>
+                        <a:cs typeface="Cordia New" panose="020B0304020202020204" pitchFamily="34" charset="-34"/>
+                      </a:endParaRPr>
+                    </a:p>
+                  </a:txBody>
+                  <a:tcPr marL="55047" marR="55047" marT="0" marB="0"/>
+                </a:tc>
+                <a:extLst>
+                  <a:ext uri="{0D108BD9-81ED-4DB2-BD59-A6C34878D82A}">
+                    <a16:rowId xmlns:a16="http://schemas.microsoft.com/office/drawing/2014/main" val="767973544"/>
+                  </a:ext>
+                </a:extLst>
+              </a:tr>
+              <a:tr h="378726">
+                <a:tc>
+                  <a:txBody>
+                    <a:bodyPr/>
+                    <a:lstStyle/>
+                    <a:p>
+                      <a:pPr marL="0" marR="0" algn="just">
+                        <a:lnSpc>
+                          <a:spcPct val="115000"/>
+                        </a:lnSpc>
+                        <a:spcBef>
+                          <a:spcPts val="0"/>
+                        </a:spcBef>
+                        <a:spcAft>
+                          <a:spcPts val="0"/>
+                        </a:spcAft>
+                      </a:pPr>
+                      <a:r>
+                        <a:rPr lang="en-US" sz="1800" dirty="0">
+                          <a:effectLst/>
+                        </a:rPr>
+                        <a:t>10/4/2017</a:t>
+                      </a:r>
+                      <a:endParaRPr lang="en-US" sz="1800" dirty="0">
+                        <a:effectLst/>
+                        <a:latin typeface="Times New Roman" panose="02020603050405020304" pitchFamily="18" charset="0"/>
+                        <a:ea typeface="Calibri" panose="020F0502020204030204" pitchFamily="34" charset="0"/>
+                        <a:cs typeface="Cordia New" panose="020B0304020202020204" pitchFamily="34" charset="-34"/>
+                      </a:endParaRPr>
+                    </a:p>
+                  </a:txBody>
+                  <a:tcPr marL="55047" marR="55047" marT="0" marB="0"/>
+                </a:tc>
+                <a:tc gridSpan="3">
+                  <a:txBody>
+                    <a:bodyPr/>
+                    <a:lstStyle/>
+                    <a:p>
+                      <a:pPr marL="0" marR="0" algn="ctr">
+                        <a:lnSpc>
+                          <a:spcPct val="115000"/>
+                        </a:lnSpc>
+                        <a:spcBef>
+                          <a:spcPts val="0"/>
+                        </a:spcBef>
+                        <a:spcAft>
+                          <a:spcPts val="0"/>
+                        </a:spcAft>
+                      </a:pPr>
+                      <a:r>
+                        <a:rPr lang="en-US" sz="1800" b="1" dirty="0" smtClean="0">
+                          <a:effectLst/>
+                        </a:rPr>
+                        <a:t>Presentation</a:t>
+                      </a:r>
+                      <a:endParaRPr lang="en-US" sz="1800" b="1" dirty="0" smtClean="0">
+                        <a:effectLst/>
+                        <a:latin typeface="Times New Roman" panose="02020603050405020304" pitchFamily="18" charset="0"/>
+                        <a:ea typeface="Calibri" panose="020F0502020204030204" pitchFamily="34" charset="0"/>
+                        <a:cs typeface="Cordia New" panose="020B0304020202020204" pitchFamily="34" charset="-34"/>
+                      </a:endParaRPr>
+                    </a:p>
+                  </a:txBody>
+                  <a:tcPr marL="55047" marR="55047" marT="0" marB="0"/>
+                </a:tc>
+                <a:tc hMerge="1">
+                  <a:txBody>
+                    <a:bodyPr/>
+                    <a:lstStyle/>
+                    <a:p>
+                      <a:pPr marL="0" marR="0" algn="just">
+                        <a:lnSpc>
+                          <a:spcPct val="115000"/>
+                        </a:lnSpc>
+                        <a:spcBef>
+                          <a:spcPts val="0"/>
+                        </a:spcBef>
+                        <a:spcAft>
+                          <a:spcPts val="0"/>
+                        </a:spcAft>
+                      </a:pPr>
+                      <a:endParaRPr lang="en-US" sz="1800" dirty="0">
+                        <a:effectLst/>
+                        <a:latin typeface="Times New Roman" panose="02020603050405020304" pitchFamily="18" charset="0"/>
+                        <a:ea typeface="Calibri" panose="020F0502020204030204" pitchFamily="34" charset="0"/>
+                        <a:cs typeface="Cordia New" panose="020B0304020202020204" pitchFamily="34" charset="-34"/>
+                      </a:endParaRPr>
+                    </a:p>
+                  </a:txBody>
+                  <a:tcPr marL="55047" marR="55047" marT="0" marB="0"/>
+                </a:tc>
+                <a:tc hMerge="1">
+                  <a:txBody>
+                    <a:bodyPr/>
+                    <a:lstStyle/>
+                    <a:p>
+                      <a:pPr marL="0" marR="0">
+                        <a:lnSpc>
+                          <a:spcPct val="115000"/>
+                        </a:lnSpc>
+                        <a:spcBef>
+                          <a:spcPts val="0"/>
+                        </a:spcBef>
+                        <a:spcAft>
+                          <a:spcPts val="0"/>
+                        </a:spcAft>
+                      </a:pPr>
+                      <a:endParaRPr lang="en-US" sz="1800" dirty="0">
+                        <a:effectLst/>
+                        <a:latin typeface="Times New Roman" panose="02020603050405020304" pitchFamily="18" charset="0"/>
+                        <a:ea typeface="Calibri" panose="020F0502020204030204" pitchFamily="34" charset="0"/>
+                        <a:cs typeface="Cordia New" panose="020B0304020202020204" pitchFamily="34" charset="-34"/>
+                      </a:endParaRPr>
+                    </a:p>
+                  </a:txBody>
+                  <a:tcPr marL="55047" marR="55047" marT="0" marB="0"/>
+                </a:tc>
+                <a:extLst>
+                  <a:ext uri="{0D108BD9-81ED-4DB2-BD59-A6C34878D82A}">
+                    <a16:rowId xmlns:a16="http://schemas.microsoft.com/office/drawing/2014/main" val="3838613931"/>
+                  </a:ext>
+                </a:extLst>
+              </a:tr>
+            </a:tbl>
+          </a:graphicData>
+        </a:graphic>
+      </p:graphicFrame>
+    </p:spTree>
+    <p:extLst>
+      <p:ext uri="{BB962C8B-B14F-4D97-AF65-F5344CB8AC3E}">
+        <p14:creationId xmlns:p14="http://schemas.microsoft.com/office/powerpoint/2010/main" val="2418232292"/>
+      </p:ext>
+    </p:extLst>
+  </p:cSld>
+  <p:clrMapOvr>
+    <a:masterClrMapping/>
+  </p:clrMapOvr>
+  <p:timing>
+    <p:tnLst>
+      <p:par>
+        <p:cTn id="1" dur="indefinite" restart="never" nodeType="tmRoot">
+          <p:childTnLst>
+            <p:seq concurrent="1" nextAc="seek">
+              <p:cTn id="2" dur="indefinite" nodeType="mainSeq">
+                <p:childTnLst>
+                  <p:par>
+                    <p:cTn id="3" fill="hold">
+                      <p:stCondLst>
+                        <p:cond delay="indefinite"/>
+                      </p:stCondLst>
+                      <p:childTnLst>
+                        <p:par>
+                          <p:cTn id="4" fill="hold">
+                            <p:stCondLst>
+                              <p:cond delay="0"/>
+                            </p:stCondLst>
+                            <p:childTnLst>
+                              <p:par>
+                                <p:cTn id="5" presetID="42" presetClass="entr" presetSubtype="0" fill="hold" grpId="0" nodeType="clickEffect">
+                                  <p:stCondLst>
+                                    <p:cond delay="0"/>
+                                  </p:stCondLst>
+                                  <p:childTnLst>
+                                    <p:set>
+                                      <p:cBhvr>
+                                        <p:cTn id="6" dur="1" fill="hold">
+                                          <p:stCondLst>
+                                            <p:cond delay="0"/>
+                                          </p:stCondLst>
+                                        </p:cTn>
+                                        <p:tgtEl>
+                                          <p:spTgt spid="2"/>
+                                        </p:tgtEl>
+                                        <p:attrNameLst>
+                                          <p:attrName>style.visibility</p:attrName>
+                                        </p:attrNameLst>
+                                      </p:cBhvr>
+                                      <p:to>
+                                        <p:strVal val="visible"/>
+                                      </p:to>
+                                    </p:set>
+                                    <p:animEffect transition="in" filter="fade">
+                                      <p:cBhvr>
+                                        <p:cTn id="7" dur="1000"/>
+                                        <p:tgtEl>
+                                          <p:spTgt spid="2"/>
+                                        </p:tgtEl>
+                                      </p:cBhvr>
+                                    </p:animEffect>
+                                    <p:anim calcmode="lin" valueType="num">
+                                      <p:cBhvr>
+                                        <p:cTn id="8" dur="1000" fill="hold"/>
+                                        <p:tgtEl>
+                                          <p:spTgt spid="2"/>
+                                        </p:tgtEl>
+                                        <p:attrNameLst>
+                                          <p:attrName>ppt_x</p:attrName>
+                                        </p:attrNameLst>
+                                      </p:cBhvr>
+                                      <p:tavLst>
+                                        <p:tav tm="0">
+                                          <p:val>
+                                            <p:strVal val="#ppt_x"/>
+                                          </p:val>
+                                        </p:tav>
+                                        <p:tav tm="100000">
+                                          <p:val>
+                                            <p:strVal val="#ppt_x"/>
+                                          </p:val>
+                                        </p:tav>
+                                      </p:tavLst>
+                                    </p:anim>
+                                    <p:anim calcmode="lin" valueType="num">
+                                      <p:cBhvr>
+                                        <p:cTn id="9" dur="1000" fill="hold"/>
+                                        <p:tgtEl>
+                                          <p:spTgt spid="2"/>
+                                        </p:tgtEl>
+                                        <p:attrNameLst>
+                                          <p:attrName>ppt_y</p:attrName>
+                                        </p:attrNameLst>
+                                      </p:cBhvr>
+                                      <p:tavLst>
+                                        <p:tav tm="0">
+                                          <p:val>
+                                            <p:strVal val="#ppt_y+.1"/>
+                                          </p:val>
+                                        </p:tav>
+                                        <p:tav tm="100000">
+                                          <p:val>
+                                            <p:strVal val="#ppt_y"/>
+                                          </p:val>
+                                        </p:tav>
+                                      </p:tavLst>
+                                    </p:anim>
+                                  </p:childTnLst>
+                                </p:cTn>
+                              </p:par>
+                            </p:childTnLst>
+                          </p:cTn>
+                        </p:par>
+                      </p:childTnLst>
+                    </p:cTn>
+                  </p:par>
+                  <p:par>
+                    <p:cTn id="10" fill="hold">
+                      <p:stCondLst>
+                        <p:cond delay="indefinite"/>
+                      </p:stCondLst>
+                      <p:childTnLst>
+                        <p:par>
+                          <p:cTn id="11" fill="hold">
+                            <p:stCondLst>
+                              <p:cond delay="0"/>
+                            </p:stCondLst>
+                            <p:childTnLst>
+                              <p:par>
+                                <p:cTn id="12" presetID="16" presetClass="entr" presetSubtype="21" fill="hold" nodeType="clickEffect">
+                                  <p:stCondLst>
+                                    <p:cond delay="0"/>
+                                  </p:stCondLst>
+                                  <p:childTnLst>
+                                    <p:set>
+                                      <p:cBhvr>
+                                        <p:cTn id="13" dur="1" fill="hold">
+                                          <p:stCondLst>
+                                            <p:cond delay="0"/>
+                                          </p:stCondLst>
+                                        </p:cTn>
+                                        <p:tgtEl>
+                                          <p:spTgt spid="4"/>
+                                        </p:tgtEl>
+                                        <p:attrNameLst>
+                                          <p:attrName>style.visibility</p:attrName>
+                                        </p:attrNameLst>
+                                      </p:cBhvr>
+                                      <p:to>
+                                        <p:strVal val="visible"/>
+                                      </p:to>
+                                    </p:set>
+                                    <p:animEffect transition="in" filter="barn(inVertical)">
+                                      <p:cBhvr>
+                                        <p:cTn id="14" dur="500"/>
+                                        <p:tgtEl>
+                                          <p:spTgt spid="4"/>
+                                        </p:tgtEl>
+                                      </p:cBhvr>
+                                    </p:animEffect>
+                                  </p:childTnLst>
+                                </p:cTn>
+                              </p:par>
+                            </p:childTnLst>
+                          </p:cTn>
+                        </p:par>
+                      </p:childTnLst>
+                    </p:cTn>
+                  </p:par>
+                </p:childTnLst>
+              </p:cTn>
+              <p:prevCondLst>
+                <p:cond evt="onPrev" delay="0">
+                  <p:tgtEl>
+                    <p:sldTgt/>
+                  </p:tgtEl>
+                </p:cond>
+              </p:prevCondLst>
+              <p:nextCondLst>
+                <p:cond evt="onNext" delay="0">
+                  <p:tgtEl>
+                    <p:sldTgt/>
+                  </p:tgtEl>
+                </p:cond>
+              </p:nextCondLst>
+            </p:seq>
+          </p:childTnLst>
+        </p:cTn>
+      </p:par>
+    </p:tnLst>
+    <p:bldLst>
+      <p:bldP spid="2" grpId="0"/>
+    </p:bldLst>
+  </p:timing>
+</p:sld>
+</file>
+
+<file path=ppt/slides/slide11.xml><?xml version="1.0" encoding="utf-8"?>
+<p:sld xmlns:a="http://schemas.openxmlformats.org/drawingml/2006/main" xmlns:r="http://schemas.openxmlformats.org/officeDocument/2006/relationships" xmlns:p="http://schemas.openxmlformats.org/presentationml/2006/main">
+  <p:cSld>
+    <p:spTree>
+      <p:nvGrpSpPr>
+        <p:cNvPr id="1" name=""/>
+        <p:cNvGrpSpPr/>
+        <p:nvPr/>
+      </p:nvGrpSpPr>
+      <p:grpSpPr>
+        <a:xfrm>
+          <a:off x="0" y="0"/>
+          <a:ext cx="0" cy="0"/>
+          <a:chOff x="0" y="0"/>
+          <a:chExt cx="0" cy="0"/>
+        </a:xfrm>
+      </p:grpSpPr>
+      <p:sp>
+        <p:nvSpPr>
+          <p:cNvPr id="2" name="Title 1"/>
+          <p:cNvSpPr>
+            <a:spLocks noGrp="1"/>
+          </p:cNvSpPr>
+          <p:nvPr>
+            <p:ph type="title"/>
+          </p:nvPr>
+        </p:nvSpPr>
+        <p:spPr>
+          <a:xfrm>
             <a:off x="677691" y="339144"/>
             <a:ext cx="8596668" cy="1320800"/>
           </a:xfrm>
@@ -19101,7 +20791,7 @@
 </p:sld>
 </file>
 
-<file path=ppt/slides/slide11.xml><?xml version="1.0" encoding="utf-8"?>
+<file path=ppt/slides/slide12.xml><?xml version="1.0" encoding="utf-8"?>
 <p:sld xmlns:a="http://schemas.openxmlformats.org/drawingml/2006/main" xmlns:r="http://schemas.openxmlformats.org/officeDocument/2006/relationships" xmlns:p="http://schemas.openxmlformats.org/presentationml/2006/main">
   <p:cSld>
     <p:spTree>
@@ -20298,7 +21988,7 @@
 </p:sld>
 </file>
 
-<file path=ppt/slides/slide12.xml><?xml version="1.0" encoding="utf-8"?>
+<file path=ppt/slides/slide13.xml><?xml version="1.0" encoding="utf-8"?>
 <p:sld xmlns:a="http://schemas.openxmlformats.org/drawingml/2006/main" xmlns:r="http://schemas.openxmlformats.org/officeDocument/2006/relationships" xmlns:p="http://schemas.openxmlformats.org/presentationml/2006/main">
   <p:cSld>
     <p:spTree>
@@ -22480,7 +24170,7 @@
 </p:sld>
 </file>
 
-<file path=ppt/slides/slide13.xml><?xml version="1.0" encoding="utf-8"?>
+<file path=ppt/slides/slide14.xml><?xml version="1.0" encoding="utf-8"?>
 <p:sld xmlns:a="http://schemas.openxmlformats.org/drawingml/2006/main" xmlns:r="http://schemas.openxmlformats.org/officeDocument/2006/relationships" xmlns:p="http://schemas.openxmlformats.org/presentationml/2006/main">
   <p:cSld>
     <p:spTree>
@@ -22803,7 +24493,7 @@
 </p:sld>
 </file>
 
-<file path=ppt/slides/slide14.xml><?xml version="1.0" encoding="utf-8"?>
+<file path=ppt/slides/slide15.xml><?xml version="1.0" encoding="utf-8"?>
 <p:sld xmlns:a="http://schemas.openxmlformats.org/drawingml/2006/main" xmlns:r="http://schemas.openxmlformats.org/officeDocument/2006/relationships" xmlns:p="http://schemas.openxmlformats.org/presentationml/2006/main">
   <p:cSld>
     <p:spTree>
@@ -23062,7 +24752,7 @@
 </p:sld>
 </file>
 
-<file path=ppt/slides/slide15.xml><?xml version="1.0" encoding="utf-8"?>
+<file path=ppt/slides/slide16.xml><?xml version="1.0" encoding="utf-8"?>
 <p:sld xmlns:a="http://schemas.openxmlformats.org/drawingml/2006/main" xmlns:r="http://schemas.openxmlformats.org/officeDocument/2006/relationships" xmlns:p="http://schemas.openxmlformats.org/presentationml/2006/main">
   <p:cSld>
     <p:spTree>
@@ -23397,7 +25087,7 @@
 </p:sld>
 </file>
 
-<file path=ppt/slides/slide16.xml><?xml version="1.0" encoding="utf-8"?>
+<file path=ppt/slides/slide17.xml><?xml version="1.0" encoding="utf-8"?>
 <p:sld xmlns:a="http://schemas.openxmlformats.org/drawingml/2006/main" xmlns:r="http://schemas.openxmlformats.org/officeDocument/2006/relationships" xmlns:p="http://schemas.openxmlformats.org/presentationml/2006/main">
   <p:cSld>
     <p:spTree>
@@ -23464,7 +25154,7 @@
 </p:sld>
 </file>
 
-<file path=ppt/slides/slide17.xml><?xml version="1.0" encoding="utf-8"?>
+<file path=ppt/slides/slide18.xml><?xml version="1.0" encoding="utf-8"?>
 <p:sld xmlns:a="http://schemas.openxmlformats.org/drawingml/2006/main" xmlns:r="http://schemas.openxmlformats.org/officeDocument/2006/relationships" xmlns:p="http://schemas.openxmlformats.org/presentationml/2006/main">
   <p:cSld>
     <p:spTree>
@@ -26008,7 +27698,7 @@
         </p:blipFill>
         <p:spPr>
           <a:xfrm>
-            <a:off x="4493020" y="1930399"/>
+            <a:off x="1254517" y="1849966"/>
             <a:ext cx="2661313" cy="2661313"/>
           </a:xfrm>
           <a:prstGeom prst="rect">
@@ -26048,7 +27738,7 @@
         </p:blipFill>
         <p:spPr>
           <a:xfrm>
-            <a:off x="1254521" y="1930398"/>
+            <a:off x="4493013" y="1849965"/>
             <a:ext cx="2661313" cy="2661313"/>
           </a:xfrm>
           <a:prstGeom prst="rect">
@@ -26088,7 +27778,7 @@
         </p:blipFill>
         <p:spPr>
           <a:xfrm>
-            <a:off x="7731519" y="1930397"/>
+            <a:off x="7731517" y="1849964"/>
             <a:ext cx="2661313" cy="2661313"/>
           </a:xfrm>
           <a:prstGeom prst="rect">
@@ -27183,6 +28873,95 @@
 </file>
 
 <file path=ppt/slides/slide7.xml><?xml version="1.0" encoding="utf-8"?>
+<p:sld xmlns:a="http://schemas.openxmlformats.org/drawingml/2006/main" xmlns:r="http://schemas.openxmlformats.org/officeDocument/2006/relationships" xmlns:p="http://schemas.openxmlformats.org/presentationml/2006/main">
+  <p:cSld>
+    <p:spTree>
+      <p:nvGrpSpPr>
+        <p:cNvPr id="1" name=""/>
+        <p:cNvGrpSpPr/>
+        <p:nvPr/>
+      </p:nvGrpSpPr>
+      <p:grpSpPr>
+        <a:xfrm>
+          <a:off x="0" y="0"/>
+          <a:ext cx="0" cy="0"/>
+          <a:chOff x="0" y="0"/>
+          <a:chExt cx="0" cy="0"/>
+        </a:xfrm>
+      </p:grpSpPr>
+      <p:sp>
+        <p:nvSpPr>
+          <p:cNvPr id="2" name="Title 1"/>
+          <p:cNvSpPr>
+            <a:spLocks noGrp="1"/>
+          </p:cNvSpPr>
+          <p:nvPr>
+            <p:ph type="title"/>
+          </p:nvPr>
+        </p:nvSpPr>
+        <p:spPr/>
+        <p:txBody>
+          <a:bodyPr/>
+          <a:lstStyle/>
+          <a:p>
+            <a:r>
+              <a:rPr lang="en-US" dirty="0" smtClean="0"/>
+              <a:t>Why we use ?</a:t>
+            </a:r>
+            <a:endParaRPr lang="en-US" dirty="0"/>
+          </a:p>
+        </p:txBody>
+      </p:sp>
+      <p:pic>
+        <p:nvPicPr>
+          <p:cNvPr id="4" name="Content Placeholder 3"/>
+          <p:cNvPicPr>
+            <a:picLocks noGrp="1" noChangeAspect="1"/>
+          </p:cNvPicPr>
+          <p:nvPr>
+            <p:ph idx="1"/>
+          </p:nvPr>
+        </p:nvPicPr>
+        <p:blipFill>
+          <a:blip r:embed="rId2">
+            <a:extLst>
+              <a:ext uri="{28A0092B-C50C-407E-A947-70E740481C1C}">
+                <a14:useLocalDpi xmlns:a14="http://schemas.microsoft.com/office/drawing/2010/main" val="0"/>
+              </a:ext>
+            </a:extLst>
+          </a:blip>
+          <a:stretch>
+            <a:fillRect/>
+          </a:stretch>
+        </p:blipFill>
+        <p:spPr>
+          <a:xfrm>
+            <a:off x="609601" y="1804988"/>
+            <a:ext cx="9076266" cy="4299479"/>
+          </a:xfrm>
+        </p:spPr>
+      </p:pic>
+    </p:spTree>
+    <p:extLst>
+      <p:ext uri="{BB962C8B-B14F-4D97-AF65-F5344CB8AC3E}">
+        <p14:creationId xmlns:p14="http://schemas.microsoft.com/office/powerpoint/2010/main" val="1323282183"/>
+      </p:ext>
+    </p:extLst>
+  </p:cSld>
+  <p:clrMapOvr>
+    <a:masterClrMapping/>
+  </p:clrMapOvr>
+  <p:timing>
+    <p:tnLst>
+      <p:par>
+        <p:cTn id="1" dur="indefinite" restart="never" nodeType="tmRoot"/>
+      </p:par>
+    </p:tnLst>
+  </p:timing>
+</p:sld>
+</file>
+
+<file path=ppt/slides/slide8.xml><?xml version="1.0" encoding="utf-8"?>
 <p:sld xmlns:a="http://schemas.openxmlformats.org/drawingml/2006/main" xmlns:r="http://schemas.openxmlformats.org/officeDocument/2006/relationships" xmlns:p="http://schemas.openxmlformats.org/presentationml/2006/main">
   <p:cSld>
     <p:spTree>
@@ -28711,7 +30490,7 @@
 </p:sld>
 </file>
 
-<file path=ppt/slides/slide8.xml><?xml version="1.0" encoding="utf-8"?>
+<file path=ppt/slides/slide9.xml><?xml version="1.0" encoding="utf-8"?>
 <p:sld xmlns:a="http://schemas.openxmlformats.org/drawingml/2006/main" xmlns:r="http://schemas.openxmlformats.org/officeDocument/2006/relationships" xmlns:p="http://schemas.openxmlformats.org/presentationml/2006/main">
   <p:cSld>
     <p:spTree>
@@ -28750,6 +30529,7 @@
           </a:bodyPr>
           <a:lstStyle/>
           <a:p>
+            <a:pPr algn="ctr"/>
             <a:r>
               <a:rPr lang="en-US" dirty="0" smtClean="0"/>
               <a:t>Difference</a:t>
@@ -29733,1695 +31513,6 @@
 </p:sld>
 </file>
 
-<file path=ppt/slides/slide9.xml><?xml version="1.0" encoding="utf-8"?>
-<p:sld xmlns:a="http://schemas.openxmlformats.org/drawingml/2006/main" xmlns:r="http://schemas.openxmlformats.org/officeDocument/2006/relationships" xmlns:p="http://schemas.openxmlformats.org/presentationml/2006/main">
-  <p:cSld>
-    <p:spTree>
-      <p:nvGrpSpPr>
-        <p:cNvPr id="1" name=""/>
-        <p:cNvGrpSpPr/>
-        <p:nvPr/>
-      </p:nvGrpSpPr>
-      <p:grpSpPr>
-        <a:xfrm>
-          <a:off x="0" y="0"/>
-          <a:ext cx="0" cy="0"/>
-          <a:chOff x="0" y="0"/>
-          <a:chExt cx="0" cy="0"/>
-        </a:xfrm>
-      </p:grpSpPr>
-      <p:sp>
-        <p:nvSpPr>
-          <p:cNvPr id="2" name="Title 1"/>
-          <p:cNvSpPr>
-            <a:spLocks noGrp="1"/>
-          </p:cNvSpPr>
-          <p:nvPr>
-            <p:ph type="title"/>
-          </p:nvPr>
-        </p:nvSpPr>
-        <p:spPr>
-          <a:xfrm>
-            <a:off x="677334" y="237067"/>
-            <a:ext cx="8596668" cy="795867"/>
-          </a:xfrm>
-        </p:spPr>
-        <p:txBody>
-          <a:bodyPr/>
-          <a:lstStyle/>
-          <a:p>
-            <a:pPr algn="ctr"/>
-            <a:r>
-              <a:rPr lang="en-US" b="1" dirty="0" smtClean="0"/>
-              <a:t>Plan overview</a:t>
-            </a:r>
-            <a:endParaRPr lang="vi-VN" b="1" dirty="0"/>
-          </a:p>
-        </p:txBody>
-      </p:sp>
-      <p:graphicFrame>
-        <p:nvGraphicFramePr>
-          <p:cNvPr id="4" name="Content Placeholder 3"/>
-          <p:cNvGraphicFramePr>
-            <a:graphicFrameLocks noGrp="1"/>
-          </p:cNvGraphicFramePr>
-          <p:nvPr>
-            <p:ph idx="1"/>
-            <p:extLst>
-              <p:ext uri="{D42A27DB-BD31-4B8C-83A1-F6EECF244321}">
-                <p14:modId xmlns:p14="http://schemas.microsoft.com/office/powerpoint/2010/main" val="1308904654"/>
-              </p:ext>
-            </p:extLst>
-          </p:nvPr>
-        </p:nvGraphicFramePr>
-        <p:xfrm>
-          <a:off x="677334" y="1126068"/>
-          <a:ext cx="9633145" cy="5630325"/>
-        </p:xfrm>
-        <a:graphic>
-          <a:graphicData uri="http://schemas.openxmlformats.org/drawingml/2006/table">
-            <a:tbl>
-              <a:tblPr firstRow="1" firstCol="1" bandRow="1">
-                <a:tableStyleId>{5C22544A-7EE6-4342-B048-85BDC9FD1C3A}</a:tableStyleId>
-              </a:tblPr>
-              <a:tblGrid>
-                <a:gridCol w="1445182">
-                  <a:extLst>
-                    <a:ext uri="{9D8B030D-6E8A-4147-A177-3AD203B41FA5}">
-                      <a16:colId xmlns:a16="http://schemas.microsoft.com/office/drawing/2014/main" val="3722740892"/>
-                    </a:ext>
-                  </a:extLst>
-                </a:gridCol>
-                <a:gridCol w="2648464">
-                  <a:extLst>
-                    <a:ext uri="{9D8B030D-6E8A-4147-A177-3AD203B41FA5}">
-                      <a16:colId xmlns:a16="http://schemas.microsoft.com/office/drawing/2014/main" val="435946919"/>
-                    </a:ext>
-                  </a:extLst>
-                </a:gridCol>
-                <a:gridCol w="1966299">
-                  <a:extLst>
-                    <a:ext uri="{9D8B030D-6E8A-4147-A177-3AD203B41FA5}">
-                      <a16:colId xmlns:a16="http://schemas.microsoft.com/office/drawing/2014/main" val="4089942463"/>
-                    </a:ext>
-                  </a:extLst>
-                </a:gridCol>
-                <a:gridCol w="3573200">
-                  <a:extLst>
-                    <a:ext uri="{9D8B030D-6E8A-4147-A177-3AD203B41FA5}">
-                      <a16:colId xmlns:a16="http://schemas.microsoft.com/office/drawing/2014/main" val="1840482386"/>
-                    </a:ext>
-                  </a:extLst>
-                </a:gridCol>
-              </a:tblGrid>
-              <a:tr h="653989">
-                <a:tc>
-                  <a:txBody>
-                    <a:bodyPr/>
-                    <a:lstStyle/>
-                    <a:p>
-                      <a:pPr marL="0" marR="0" algn="just">
-                        <a:lnSpc>
-                          <a:spcPct val="115000"/>
-                        </a:lnSpc>
-                        <a:spcBef>
-                          <a:spcPts val="0"/>
-                        </a:spcBef>
-                        <a:spcAft>
-                          <a:spcPts val="0"/>
-                        </a:spcAft>
-                      </a:pPr>
-                      <a:r>
-                        <a:rPr lang="en-US" sz="1800" dirty="0">
-                          <a:effectLst/>
-                        </a:rPr>
-                        <a:t>Date &amp; time</a:t>
-                      </a:r>
-                      <a:endParaRPr lang="en-US" sz="1800" dirty="0">
-                        <a:effectLst/>
-                        <a:latin typeface="Times New Roman" panose="02020603050405020304" pitchFamily="18" charset="0"/>
-                        <a:ea typeface="Calibri" panose="020F0502020204030204" pitchFamily="34" charset="0"/>
-                        <a:cs typeface="Cordia New" panose="020B0304020202020204" pitchFamily="34" charset="-34"/>
-                      </a:endParaRPr>
-                    </a:p>
-                  </a:txBody>
-                  <a:tcPr marL="55047" marR="55047" marT="0" marB="0"/>
-                </a:tc>
-                <a:tc>
-                  <a:txBody>
-                    <a:bodyPr/>
-                    <a:lstStyle/>
-                    <a:p>
-                      <a:pPr marL="0" marR="0" algn="just">
-                        <a:lnSpc>
-                          <a:spcPct val="115000"/>
-                        </a:lnSpc>
-                        <a:spcBef>
-                          <a:spcPts val="0"/>
-                        </a:spcBef>
-                        <a:spcAft>
-                          <a:spcPts val="0"/>
-                        </a:spcAft>
-                      </a:pPr>
-                      <a:r>
-                        <a:rPr lang="en-US" sz="1800">
-                          <a:effectLst/>
-                        </a:rPr>
-                        <a:t>Tasks</a:t>
-                      </a:r>
-                      <a:endParaRPr lang="en-US" sz="1800">
-                        <a:effectLst/>
-                        <a:latin typeface="Times New Roman" panose="02020603050405020304" pitchFamily="18" charset="0"/>
-                        <a:ea typeface="Calibri" panose="020F0502020204030204" pitchFamily="34" charset="0"/>
-                        <a:cs typeface="Cordia New" panose="020B0304020202020204" pitchFamily="34" charset="-34"/>
-                      </a:endParaRPr>
-                    </a:p>
-                  </a:txBody>
-                  <a:tcPr marL="55047" marR="55047" marT="0" marB="0"/>
-                </a:tc>
-                <a:tc>
-                  <a:txBody>
-                    <a:bodyPr/>
-                    <a:lstStyle/>
-                    <a:p>
-                      <a:pPr marL="0" marR="0" algn="just">
-                        <a:lnSpc>
-                          <a:spcPct val="115000"/>
-                        </a:lnSpc>
-                        <a:spcBef>
-                          <a:spcPts val="0"/>
-                        </a:spcBef>
-                        <a:spcAft>
-                          <a:spcPts val="0"/>
-                        </a:spcAft>
-                      </a:pPr>
-                      <a:r>
-                        <a:rPr lang="en-US" sz="1800" dirty="0">
-                          <a:effectLst/>
-                        </a:rPr>
-                        <a:t>Time frame</a:t>
-                      </a:r>
-                    </a:p>
-                    <a:p>
-                      <a:pPr marL="0" marR="0" algn="just">
-                        <a:lnSpc>
-                          <a:spcPct val="115000"/>
-                        </a:lnSpc>
-                        <a:spcBef>
-                          <a:spcPts val="0"/>
-                        </a:spcBef>
-                        <a:spcAft>
-                          <a:spcPts val="0"/>
-                        </a:spcAft>
-                      </a:pPr>
-                      <a:r>
-                        <a:rPr lang="en-US" sz="1800" dirty="0">
-                          <a:effectLst/>
-                        </a:rPr>
-                        <a:t>(man hour)</a:t>
-                      </a:r>
-                      <a:endParaRPr lang="en-US" sz="1800" dirty="0">
-                        <a:effectLst/>
-                        <a:latin typeface="Times New Roman" panose="02020603050405020304" pitchFamily="18" charset="0"/>
-                        <a:ea typeface="Calibri" panose="020F0502020204030204" pitchFamily="34" charset="0"/>
-                        <a:cs typeface="Cordia New" panose="020B0304020202020204" pitchFamily="34" charset="-34"/>
-                      </a:endParaRPr>
-                    </a:p>
-                  </a:txBody>
-                  <a:tcPr marL="55047" marR="55047" marT="0" marB="0"/>
-                </a:tc>
-                <a:tc>
-                  <a:txBody>
-                    <a:bodyPr/>
-                    <a:lstStyle/>
-                    <a:p>
-                      <a:pPr marL="0" marR="0">
-                        <a:lnSpc>
-                          <a:spcPct val="115000"/>
-                        </a:lnSpc>
-                        <a:spcBef>
-                          <a:spcPts val="0"/>
-                        </a:spcBef>
-                        <a:spcAft>
-                          <a:spcPts val="0"/>
-                        </a:spcAft>
-                      </a:pPr>
-                      <a:r>
-                        <a:rPr lang="en-US" sz="1800">
-                          <a:effectLst/>
-                        </a:rPr>
-                        <a:t>Products</a:t>
-                      </a:r>
-                      <a:endParaRPr lang="en-US" sz="1800">
-                        <a:effectLst/>
-                        <a:latin typeface="Times New Roman" panose="02020603050405020304" pitchFamily="18" charset="0"/>
-                        <a:ea typeface="Calibri" panose="020F0502020204030204" pitchFamily="34" charset="0"/>
-                        <a:cs typeface="Cordia New" panose="020B0304020202020204" pitchFamily="34" charset="-34"/>
-                      </a:endParaRPr>
-                    </a:p>
-                  </a:txBody>
-                  <a:tcPr marL="55047" marR="55047" marT="0" marB="0"/>
-                </a:tc>
-                <a:extLst>
-                  <a:ext uri="{0D108BD9-81ED-4DB2-BD59-A6C34878D82A}">
-                    <a16:rowId xmlns:a16="http://schemas.microsoft.com/office/drawing/2014/main" val="2152964943"/>
-                  </a:ext>
-                </a:extLst>
-              </a:tr>
-              <a:tr h="866187">
-                <a:tc>
-                  <a:txBody>
-                    <a:bodyPr/>
-                    <a:lstStyle/>
-                    <a:p>
-                      <a:pPr marL="0" marR="0" algn="just">
-                        <a:lnSpc>
-                          <a:spcPct val="115000"/>
-                        </a:lnSpc>
-                        <a:spcBef>
-                          <a:spcPts val="0"/>
-                        </a:spcBef>
-                        <a:spcAft>
-                          <a:spcPts val="0"/>
-                        </a:spcAft>
-                      </a:pPr>
-                      <a:r>
-                        <a:rPr lang="en-US" sz="1800">
-                          <a:effectLst/>
-                        </a:rPr>
-                        <a:t>20/2/2017</a:t>
-                      </a:r>
-                    </a:p>
-                    <a:p>
-                      <a:pPr marL="0" marR="0" algn="just">
-                        <a:lnSpc>
-                          <a:spcPct val="115000"/>
-                        </a:lnSpc>
-                        <a:spcBef>
-                          <a:spcPts val="0"/>
-                        </a:spcBef>
-                        <a:spcAft>
-                          <a:spcPts val="0"/>
-                        </a:spcAft>
-                      </a:pPr>
-                      <a:r>
-                        <a:rPr lang="en-US" sz="1800">
-                          <a:effectLst/>
-                        </a:rPr>
-                        <a:t>Starting</a:t>
-                      </a:r>
-                      <a:endParaRPr lang="en-US" sz="1800">
-                        <a:effectLst/>
-                        <a:latin typeface="Times New Roman" panose="02020603050405020304" pitchFamily="18" charset="0"/>
-                        <a:ea typeface="Calibri" panose="020F0502020204030204" pitchFamily="34" charset="0"/>
-                        <a:cs typeface="Cordia New" panose="020B0304020202020204" pitchFamily="34" charset="-34"/>
-                      </a:endParaRPr>
-                    </a:p>
-                  </a:txBody>
-                  <a:tcPr marL="55047" marR="55047" marT="0" marB="0"/>
-                </a:tc>
-                <a:tc>
-                  <a:txBody>
-                    <a:bodyPr/>
-                    <a:lstStyle/>
-                    <a:p>
-                      <a:pPr marL="0" marR="0" algn="just">
-                        <a:lnSpc>
-                          <a:spcPct val="115000"/>
-                        </a:lnSpc>
-                        <a:spcBef>
-                          <a:spcPts val="0"/>
-                        </a:spcBef>
-                        <a:spcAft>
-                          <a:spcPts val="0"/>
-                        </a:spcAft>
-                      </a:pPr>
-                      <a:r>
-                        <a:rPr lang="en-US" sz="1800">
-                          <a:effectLst/>
-                        </a:rPr>
-                        <a:t>Divide group &amp; Choose topic</a:t>
-                      </a:r>
-                      <a:endParaRPr lang="en-US" sz="1800">
-                        <a:effectLst/>
-                        <a:latin typeface="Times New Roman" panose="02020603050405020304" pitchFamily="18" charset="0"/>
-                        <a:ea typeface="Calibri" panose="020F0502020204030204" pitchFamily="34" charset="0"/>
-                        <a:cs typeface="Cordia New" panose="020B0304020202020204" pitchFamily="34" charset="-34"/>
-                      </a:endParaRPr>
-                    </a:p>
-                  </a:txBody>
-                  <a:tcPr marL="55047" marR="55047" marT="0" marB="0"/>
-                </a:tc>
-                <a:tc>
-                  <a:txBody>
-                    <a:bodyPr/>
-                    <a:lstStyle/>
-                    <a:p>
-                      <a:pPr marL="0" marR="0" algn="just">
-                        <a:lnSpc>
-                          <a:spcPct val="115000"/>
-                        </a:lnSpc>
-                        <a:spcBef>
-                          <a:spcPts val="0"/>
-                        </a:spcBef>
-                        <a:spcAft>
-                          <a:spcPts val="0"/>
-                        </a:spcAft>
-                      </a:pPr>
-                      <a:r>
-                        <a:rPr lang="en-US" sz="1800">
-                          <a:effectLst/>
-                        </a:rPr>
-                        <a:t>1day</a:t>
-                      </a:r>
-                      <a:endParaRPr lang="en-US" sz="1800">
-                        <a:effectLst/>
-                        <a:latin typeface="Times New Roman" panose="02020603050405020304" pitchFamily="18" charset="0"/>
-                        <a:ea typeface="Calibri" panose="020F0502020204030204" pitchFamily="34" charset="0"/>
-                        <a:cs typeface="Cordia New" panose="020B0304020202020204" pitchFamily="34" charset="-34"/>
-                      </a:endParaRPr>
-                    </a:p>
-                  </a:txBody>
-                  <a:tcPr marL="55047" marR="55047" marT="0" marB="0"/>
-                </a:tc>
-                <a:tc>
-                  <a:txBody>
-                    <a:bodyPr/>
-                    <a:lstStyle/>
-                    <a:p>
-                      <a:pPr marL="0" marR="0">
-                        <a:lnSpc>
-                          <a:spcPct val="115000"/>
-                        </a:lnSpc>
-                        <a:spcBef>
-                          <a:spcPts val="0"/>
-                        </a:spcBef>
-                        <a:spcAft>
-                          <a:spcPts val="0"/>
-                        </a:spcAft>
-                      </a:pPr>
-                      <a:r>
-                        <a:rPr lang="en-US" sz="1800" dirty="0">
-                          <a:effectLst/>
-                        </a:rPr>
-                        <a:t>Name group: </a:t>
-                      </a:r>
-                      <a:r>
-                        <a:rPr lang="en-US" sz="1800" dirty="0" err="1">
-                          <a:effectLst/>
-                        </a:rPr>
-                        <a:t>MyFriend</a:t>
-                      </a:r>
-                      <a:endParaRPr lang="en-US" sz="1800" dirty="0">
-                        <a:effectLst/>
-                      </a:endParaRPr>
-                    </a:p>
-                    <a:p>
-                      <a:pPr marL="0" marR="0">
-                        <a:lnSpc>
-                          <a:spcPct val="115000"/>
-                        </a:lnSpc>
-                        <a:spcBef>
-                          <a:spcPts val="0"/>
-                        </a:spcBef>
-                        <a:spcAft>
-                          <a:spcPts val="0"/>
-                        </a:spcAft>
-                      </a:pPr>
-                      <a:r>
-                        <a:rPr lang="en-US" sz="1800" dirty="0">
-                          <a:effectLst/>
-                        </a:rPr>
-                        <a:t>App: Dictionary Viet Nam - Laos</a:t>
-                      </a:r>
-                      <a:endParaRPr lang="en-US" sz="1800" dirty="0">
-                        <a:effectLst/>
-                        <a:latin typeface="Times New Roman" panose="02020603050405020304" pitchFamily="18" charset="0"/>
-                        <a:ea typeface="Calibri" panose="020F0502020204030204" pitchFamily="34" charset="0"/>
-                        <a:cs typeface="Cordia New" panose="020B0304020202020204" pitchFamily="34" charset="-34"/>
-                      </a:endParaRPr>
-                    </a:p>
-                  </a:txBody>
-                  <a:tcPr marL="55047" marR="55047" marT="0" marB="0"/>
-                </a:tc>
-                <a:extLst>
-                  <a:ext uri="{0D108BD9-81ED-4DB2-BD59-A6C34878D82A}">
-                    <a16:rowId xmlns:a16="http://schemas.microsoft.com/office/drawing/2014/main" val="2019957854"/>
-                  </a:ext>
-                </a:extLst>
-              </a:tr>
-              <a:tr h="788472">
-                <a:tc>
-                  <a:txBody>
-                    <a:bodyPr/>
-                    <a:lstStyle/>
-                    <a:p>
-                      <a:pPr marL="0" marR="0">
-                        <a:lnSpc>
-                          <a:spcPct val="115000"/>
-                        </a:lnSpc>
-                        <a:spcBef>
-                          <a:spcPts val="0"/>
-                        </a:spcBef>
-                        <a:spcAft>
-                          <a:spcPts val="0"/>
-                        </a:spcAft>
-                      </a:pPr>
-                      <a:r>
-                        <a:rPr lang="en-US" sz="1800">
-                          <a:effectLst/>
-                        </a:rPr>
-                        <a:t>21/02/2017</a:t>
-                      </a:r>
-                    </a:p>
-                    <a:p>
-                      <a:pPr marL="0" marR="0">
-                        <a:lnSpc>
-                          <a:spcPct val="115000"/>
-                        </a:lnSpc>
-                        <a:spcBef>
-                          <a:spcPts val="0"/>
-                        </a:spcBef>
-                        <a:spcAft>
-                          <a:spcPts val="0"/>
-                        </a:spcAft>
-                      </a:pPr>
-                      <a:r>
-                        <a:rPr lang="en-US" sz="1800">
-                          <a:effectLst/>
-                        </a:rPr>
-                        <a:t> </a:t>
-                      </a:r>
-                      <a:endParaRPr lang="en-US" sz="1800">
-                        <a:effectLst/>
-                        <a:latin typeface="Times New Roman" panose="02020603050405020304" pitchFamily="18" charset="0"/>
-                        <a:ea typeface="Calibri" panose="020F0502020204030204" pitchFamily="34" charset="0"/>
-                        <a:cs typeface="Cordia New" panose="020B0304020202020204" pitchFamily="34" charset="-34"/>
-                      </a:endParaRPr>
-                    </a:p>
-                  </a:txBody>
-                  <a:tcPr marL="55047" marR="55047" marT="0" marB="0"/>
-                </a:tc>
-                <a:tc>
-                  <a:txBody>
-                    <a:bodyPr/>
-                    <a:lstStyle/>
-                    <a:p>
-                      <a:pPr marL="0" marR="0" algn="just">
-                        <a:lnSpc>
-                          <a:spcPct val="115000"/>
-                        </a:lnSpc>
-                        <a:spcBef>
-                          <a:spcPts val="0"/>
-                        </a:spcBef>
-                        <a:spcAft>
-                          <a:spcPts val="0"/>
-                        </a:spcAft>
-                      </a:pPr>
-                      <a:r>
-                        <a:rPr lang="en-US" sz="1800">
-                          <a:effectLst/>
-                        </a:rPr>
-                        <a:t>Requirement</a:t>
-                      </a:r>
-                      <a:endParaRPr lang="en-US" sz="1800">
-                        <a:effectLst/>
-                        <a:latin typeface="Times New Roman" panose="02020603050405020304" pitchFamily="18" charset="0"/>
-                        <a:ea typeface="Calibri" panose="020F0502020204030204" pitchFamily="34" charset="0"/>
-                        <a:cs typeface="Cordia New" panose="020B0304020202020204" pitchFamily="34" charset="-34"/>
-                      </a:endParaRPr>
-                    </a:p>
-                  </a:txBody>
-                  <a:tcPr marL="55047" marR="55047" marT="0" marB="0"/>
-                </a:tc>
-                <a:tc>
-                  <a:txBody>
-                    <a:bodyPr/>
-                    <a:lstStyle/>
-                    <a:p>
-                      <a:pPr marL="0" marR="0" algn="just">
-                        <a:lnSpc>
-                          <a:spcPct val="115000"/>
-                        </a:lnSpc>
-                        <a:spcBef>
-                          <a:spcPts val="0"/>
-                        </a:spcBef>
-                        <a:spcAft>
-                          <a:spcPts val="0"/>
-                        </a:spcAft>
-                      </a:pPr>
-                      <a:r>
-                        <a:rPr lang="en-US" sz="1800" dirty="0">
-                          <a:effectLst/>
-                        </a:rPr>
-                        <a:t>6 day</a:t>
-                      </a:r>
-                      <a:endParaRPr lang="en-US" sz="1800" dirty="0">
-                        <a:effectLst/>
-                        <a:latin typeface="Times New Roman" panose="02020603050405020304" pitchFamily="18" charset="0"/>
-                        <a:ea typeface="Calibri" panose="020F0502020204030204" pitchFamily="34" charset="0"/>
-                        <a:cs typeface="Cordia New" panose="020B0304020202020204" pitchFamily="34" charset="-34"/>
-                      </a:endParaRPr>
-                    </a:p>
-                  </a:txBody>
-                  <a:tcPr marL="55047" marR="55047" marT="0" marB="0"/>
-                </a:tc>
-                <a:tc>
-                  <a:txBody>
-                    <a:bodyPr/>
-                    <a:lstStyle/>
-                    <a:p>
-                      <a:pPr marL="0" marR="0">
-                        <a:lnSpc>
-                          <a:spcPct val="115000"/>
-                        </a:lnSpc>
-                        <a:spcBef>
-                          <a:spcPts val="0"/>
-                        </a:spcBef>
-                        <a:spcAft>
-                          <a:spcPts val="0"/>
-                        </a:spcAft>
-                      </a:pPr>
-                      <a:r>
-                        <a:rPr lang="en-US" sz="1800" dirty="0">
-                          <a:effectLst/>
-                        </a:rPr>
-                        <a:t>Identify user </a:t>
-                      </a:r>
-                      <a:r>
-                        <a:rPr lang="en-US" sz="1800" dirty="0" smtClean="0">
-                          <a:effectLst/>
-                        </a:rPr>
-                        <a:t>needs.</a:t>
-                      </a:r>
-                      <a:r>
-                        <a:rPr lang="en-US" sz="1800" dirty="0">
-                          <a:effectLst/>
-                        </a:rPr>
-                        <a:t/>
-                      </a:r>
-                      <a:br>
-                        <a:rPr lang="en-US" sz="1800" dirty="0">
-                          <a:effectLst/>
-                        </a:rPr>
-                      </a:br>
-                      <a:r>
-                        <a:rPr lang="en-US" sz="1800" dirty="0">
-                          <a:effectLst/>
-                        </a:rPr>
-                        <a:t>Programming on android </a:t>
-                      </a:r>
-                      <a:r>
-                        <a:rPr lang="en-US" sz="1800" dirty="0" smtClean="0">
-                          <a:effectLst/>
-                        </a:rPr>
-                        <a:t>platform</a:t>
-                      </a:r>
-                      <a:endParaRPr lang="en-US" sz="1800" dirty="0">
-                        <a:effectLst/>
-                        <a:latin typeface="Times New Roman" panose="02020603050405020304" pitchFamily="18" charset="0"/>
-                        <a:ea typeface="Calibri" panose="020F0502020204030204" pitchFamily="34" charset="0"/>
-                        <a:cs typeface="Cordia New" panose="020B0304020202020204" pitchFamily="34" charset="-34"/>
-                      </a:endParaRPr>
-                    </a:p>
-                  </a:txBody>
-                  <a:tcPr marL="55047" marR="55047" marT="0" marB="0"/>
-                </a:tc>
-                <a:extLst>
-                  <a:ext uri="{0D108BD9-81ED-4DB2-BD59-A6C34878D82A}">
-                    <a16:rowId xmlns:a16="http://schemas.microsoft.com/office/drawing/2014/main" val="2378376232"/>
-                  </a:ext>
-                </a:extLst>
-              </a:tr>
-              <a:tr h="653989">
-                <a:tc>
-                  <a:txBody>
-                    <a:bodyPr/>
-                    <a:lstStyle/>
-                    <a:p>
-                      <a:pPr marL="0" marR="0">
-                        <a:lnSpc>
-                          <a:spcPct val="115000"/>
-                        </a:lnSpc>
-                        <a:spcBef>
-                          <a:spcPts val="0"/>
-                        </a:spcBef>
-                        <a:spcAft>
-                          <a:spcPts val="0"/>
-                        </a:spcAft>
-                      </a:pPr>
-                      <a:r>
-                        <a:rPr lang="en-US" sz="1800">
-                          <a:effectLst/>
-                        </a:rPr>
-                        <a:t>27/02/2017</a:t>
-                      </a:r>
-                      <a:endParaRPr lang="en-US" sz="1800">
-                        <a:effectLst/>
-                        <a:latin typeface="Times New Roman" panose="02020603050405020304" pitchFamily="18" charset="0"/>
-                        <a:ea typeface="Calibri" panose="020F0502020204030204" pitchFamily="34" charset="0"/>
-                        <a:cs typeface="Cordia New" panose="020B0304020202020204" pitchFamily="34" charset="-34"/>
-                      </a:endParaRPr>
-                    </a:p>
-                  </a:txBody>
-                  <a:tcPr marL="55047" marR="55047" marT="0" marB="0"/>
-                </a:tc>
-                <a:tc>
-                  <a:txBody>
-                    <a:bodyPr/>
-                    <a:lstStyle/>
-                    <a:p>
-                      <a:pPr marL="0" marR="0" algn="just">
-                        <a:lnSpc>
-                          <a:spcPct val="115000"/>
-                        </a:lnSpc>
-                        <a:spcBef>
-                          <a:spcPts val="0"/>
-                        </a:spcBef>
-                        <a:spcAft>
-                          <a:spcPts val="0"/>
-                        </a:spcAft>
-                      </a:pPr>
-                      <a:r>
-                        <a:rPr lang="en-US" sz="1800">
-                          <a:effectLst/>
-                        </a:rPr>
-                        <a:t>System analysis</a:t>
-                      </a:r>
-                      <a:endParaRPr lang="en-US" sz="1800">
-                        <a:effectLst/>
-                        <a:latin typeface="Times New Roman" panose="02020603050405020304" pitchFamily="18" charset="0"/>
-                        <a:ea typeface="Calibri" panose="020F0502020204030204" pitchFamily="34" charset="0"/>
-                        <a:cs typeface="Cordia New" panose="020B0304020202020204" pitchFamily="34" charset="-34"/>
-                      </a:endParaRPr>
-                    </a:p>
-                  </a:txBody>
-                  <a:tcPr marL="55047" marR="55047" marT="0" marB="0"/>
-                </a:tc>
-                <a:tc>
-                  <a:txBody>
-                    <a:bodyPr/>
-                    <a:lstStyle/>
-                    <a:p>
-                      <a:pPr marL="0" marR="0" algn="just">
-                        <a:lnSpc>
-                          <a:spcPct val="115000"/>
-                        </a:lnSpc>
-                        <a:spcBef>
-                          <a:spcPts val="0"/>
-                        </a:spcBef>
-                        <a:spcAft>
-                          <a:spcPts val="0"/>
-                        </a:spcAft>
-                      </a:pPr>
-                      <a:r>
-                        <a:rPr lang="en-US" sz="1800">
-                          <a:effectLst/>
-                        </a:rPr>
-                        <a:t>7 day</a:t>
-                      </a:r>
-                      <a:endParaRPr lang="en-US" sz="1800">
-                        <a:effectLst/>
-                        <a:latin typeface="Times New Roman" panose="02020603050405020304" pitchFamily="18" charset="0"/>
-                        <a:ea typeface="Calibri" panose="020F0502020204030204" pitchFamily="34" charset="0"/>
-                        <a:cs typeface="Cordia New" panose="020B0304020202020204" pitchFamily="34" charset="-34"/>
-                      </a:endParaRPr>
-                    </a:p>
-                  </a:txBody>
-                  <a:tcPr marL="55047" marR="55047" marT="0" marB="0"/>
-                </a:tc>
-                <a:tc>
-                  <a:txBody>
-                    <a:bodyPr/>
-                    <a:lstStyle/>
-                    <a:p>
-                      <a:pPr marL="0" marR="0">
-                        <a:lnSpc>
-                          <a:spcPct val="115000"/>
-                        </a:lnSpc>
-                        <a:spcBef>
-                          <a:spcPts val="0"/>
-                        </a:spcBef>
-                        <a:spcAft>
-                          <a:spcPts val="0"/>
-                        </a:spcAft>
-                      </a:pPr>
-                      <a:r>
-                        <a:rPr lang="en-US" sz="1800" dirty="0">
-                          <a:effectLst/>
-                        </a:rPr>
-                        <a:t>Using SQLite Data base.</a:t>
-                      </a:r>
-                    </a:p>
-                    <a:p>
-                      <a:pPr marL="0" marR="0">
-                        <a:lnSpc>
-                          <a:spcPct val="115000"/>
-                        </a:lnSpc>
-                        <a:spcBef>
-                          <a:spcPts val="0"/>
-                        </a:spcBef>
-                        <a:spcAft>
-                          <a:spcPts val="0"/>
-                        </a:spcAft>
-                      </a:pPr>
-                      <a:r>
-                        <a:rPr lang="en-US" sz="1800" dirty="0">
-                          <a:effectLst/>
-                        </a:rPr>
-                        <a:t>User </a:t>
-                      </a:r>
-                      <a:r>
-                        <a:rPr lang="en-US" sz="1800" dirty="0" smtClean="0">
-                          <a:effectLst/>
-                        </a:rPr>
-                        <a:t>interface</a:t>
-                      </a:r>
-                      <a:endParaRPr lang="en-US" sz="1800" dirty="0">
-                        <a:effectLst/>
-                        <a:latin typeface="Times New Roman" panose="02020603050405020304" pitchFamily="18" charset="0"/>
-                        <a:ea typeface="Calibri" panose="020F0502020204030204" pitchFamily="34" charset="0"/>
-                        <a:cs typeface="Cordia New" panose="020B0304020202020204" pitchFamily="34" charset="-34"/>
-                      </a:endParaRPr>
-                    </a:p>
-                  </a:txBody>
-                  <a:tcPr marL="55047" marR="55047" marT="0" marB="0"/>
-                </a:tc>
-                <a:extLst>
-                  <a:ext uri="{0D108BD9-81ED-4DB2-BD59-A6C34878D82A}">
-                    <a16:rowId xmlns:a16="http://schemas.microsoft.com/office/drawing/2014/main" val="2204769487"/>
-                  </a:ext>
-                </a:extLst>
-              </a:tr>
-              <a:tr h="653989">
-                <a:tc>
-                  <a:txBody>
-                    <a:bodyPr/>
-                    <a:lstStyle/>
-                    <a:p>
-                      <a:pPr marL="0" marR="0" algn="just">
-                        <a:lnSpc>
-                          <a:spcPct val="115000"/>
-                        </a:lnSpc>
-                        <a:spcBef>
-                          <a:spcPts val="0"/>
-                        </a:spcBef>
-                        <a:spcAft>
-                          <a:spcPts val="0"/>
-                        </a:spcAft>
-                      </a:pPr>
-                      <a:r>
-                        <a:rPr lang="en-US" sz="1800">
-                          <a:effectLst/>
-                        </a:rPr>
-                        <a:t>6/3/2017</a:t>
-                      </a:r>
-                    </a:p>
-                    <a:p>
-                      <a:pPr marL="0" marR="0" algn="just">
-                        <a:lnSpc>
-                          <a:spcPct val="115000"/>
-                        </a:lnSpc>
-                        <a:spcBef>
-                          <a:spcPts val="0"/>
-                        </a:spcBef>
-                        <a:spcAft>
-                          <a:spcPts val="0"/>
-                        </a:spcAft>
-                      </a:pPr>
-                      <a:r>
-                        <a:rPr lang="en-US" sz="1800">
-                          <a:effectLst/>
-                        </a:rPr>
-                        <a:t> </a:t>
-                      </a:r>
-                      <a:endParaRPr lang="en-US" sz="1800">
-                        <a:effectLst/>
-                        <a:latin typeface="Times New Roman" panose="02020603050405020304" pitchFamily="18" charset="0"/>
-                        <a:ea typeface="Calibri" panose="020F0502020204030204" pitchFamily="34" charset="0"/>
-                        <a:cs typeface="Cordia New" panose="020B0304020202020204" pitchFamily="34" charset="-34"/>
-                      </a:endParaRPr>
-                    </a:p>
-                  </a:txBody>
-                  <a:tcPr marL="55047" marR="55047" marT="0" marB="0"/>
-                </a:tc>
-                <a:tc>
-                  <a:txBody>
-                    <a:bodyPr/>
-                    <a:lstStyle/>
-                    <a:p>
-                      <a:pPr marL="0" marR="0" algn="just">
-                        <a:lnSpc>
-                          <a:spcPct val="115000"/>
-                        </a:lnSpc>
-                        <a:spcBef>
-                          <a:spcPts val="0"/>
-                        </a:spcBef>
-                        <a:spcAft>
-                          <a:spcPts val="0"/>
-                        </a:spcAft>
-                      </a:pPr>
-                      <a:r>
-                        <a:rPr lang="en-US" sz="1800">
-                          <a:effectLst/>
-                        </a:rPr>
-                        <a:t>Data base design</a:t>
-                      </a:r>
-                      <a:endParaRPr lang="en-US" sz="1800">
-                        <a:effectLst/>
-                        <a:latin typeface="Times New Roman" panose="02020603050405020304" pitchFamily="18" charset="0"/>
-                        <a:ea typeface="Calibri" panose="020F0502020204030204" pitchFamily="34" charset="0"/>
-                        <a:cs typeface="Cordia New" panose="020B0304020202020204" pitchFamily="34" charset="-34"/>
-                      </a:endParaRPr>
-                    </a:p>
-                  </a:txBody>
-                  <a:tcPr marL="55047" marR="55047" marT="0" marB="0"/>
-                </a:tc>
-                <a:tc>
-                  <a:txBody>
-                    <a:bodyPr/>
-                    <a:lstStyle/>
-                    <a:p>
-                      <a:pPr marL="0" marR="0" algn="just">
-                        <a:lnSpc>
-                          <a:spcPct val="115000"/>
-                        </a:lnSpc>
-                        <a:spcBef>
-                          <a:spcPts val="0"/>
-                        </a:spcBef>
-                        <a:spcAft>
-                          <a:spcPts val="0"/>
-                        </a:spcAft>
-                      </a:pPr>
-                      <a:r>
-                        <a:rPr lang="en-US" sz="1800">
-                          <a:effectLst/>
-                        </a:rPr>
-                        <a:t>7 day</a:t>
-                      </a:r>
-                      <a:endParaRPr lang="en-US" sz="1800">
-                        <a:effectLst/>
-                        <a:latin typeface="Times New Roman" panose="02020603050405020304" pitchFamily="18" charset="0"/>
-                        <a:ea typeface="Calibri" panose="020F0502020204030204" pitchFamily="34" charset="0"/>
-                        <a:cs typeface="Cordia New" panose="020B0304020202020204" pitchFamily="34" charset="-34"/>
-                      </a:endParaRPr>
-                    </a:p>
-                  </a:txBody>
-                  <a:tcPr marL="55047" marR="55047" marT="0" marB="0"/>
-                </a:tc>
-                <a:tc>
-                  <a:txBody>
-                    <a:bodyPr/>
-                    <a:lstStyle/>
-                    <a:p>
-                      <a:pPr marL="0" marR="0">
-                        <a:lnSpc>
-                          <a:spcPct val="115000"/>
-                        </a:lnSpc>
-                        <a:spcBef>
-                          <a:spcPts val="0"/>
-                        </a:spcBef>
-                        <a:spcAft>
-                          <a:spcPts val="0"/>
-                        </a:spcAft>
-                      </a:pPr>
-                      <a:r>
-                        <a:rPr lang="en-US" sz="1800">
-                          <a:effectLst/>
-                        </a:rPr>
-                        <a:t>Database is complete (db_TUDIEN.db)</a:t>
-                      </a:r>
-                      <a:endParaRPr lang="en-US" sz="1800">
-                        <a:effectLst/>
-                        <a:latin typeface="Times New Roman" panose="02020603050405020304" pitchFamily="18" charset="0"/>
-                        <a:ea typeface="Calibri" panose="020F0502020204030204" pitchFamily="34" charset="0"/>
-                        <a:cs typeface="Cordia New" panose="020B0304020202020204" pitchFamily="34" charset="-34"/>
-                      </a:endParaRPr>
-                    </a:p>
-                  </a:txBody>
-                  <a:tcPr marL="55047" marR="55047" marT="0" marB="0"/>
-                </a:tc>
-                <a:extLst>
-                  <a:ext uri="{0D108BD9-81ED-4DB2-BD59-A6C34878D82A}">
-                    <a16:rowId xmlns:a16="http://schemas.microsoft.com/office/drawing/2014/main" val="1276333084"/>
-                  </a:ext>
-                </a:extLst>
-              </a:tr>
-              <a:tr h="653989">
-                <a:tc>
-                  <a:txBody>
-                    <a:bodyPr/>
-                    <a:lstStyle/>
-                    <a:p>
-                      <a:pPr marL="0" marR="0" algn="just">
-                        <a:lnSpc>
-                          <a:spcPct val="115000"/>
-                        </a:lnSpc>
-                        <a:spcBef>
-                          <a:spcPts val="0"/>
-                        </a:spcBef>
-                        <a:spcAft>
-                          <a:spcPts val="0"/>
-                        </a:spcAft>
-                      </a:pPr>
-                      <a:r>
-                        <a:rPr lang="en-US" sz="1800">
-                          <a:effectLst/>
-                        </a:rPr>
-                        <a:t>13/3/2017</a:t>
-                      </a:r>
-                      <a:endParaRPr lang="en-US" sz="1800">
-                        <a:effectLst/>
-                        <a:latin typeface="Times New Roman" panose="02020603050405020304" pitchFamily="18" charset="0"/>
-                        <a:ea typeface="Calibri" panose="020F0502020204030204" pitchFamily="34" charset="0"/>
-                        <a:cs typeface="Cordia New" panose="020B0304020202020204" pitchFamily="34" charset="-34"/>
-                      </a:endParaRPr>
-                    </a:p>
-                  </a:txBody>
-                  <a:tcPr marL="55047" marR="55047" marT="0" marB="0"/>
-                </a:tc>
-                <a:tc>
-                  <a:txBody>
-                    <a:bodyPr/>
-                    <a:lstStyle/>
-                    <a:p>
-                      <a:pPr marL="0" marR="0" algn="just">
-                        <a:lnSpc>
-                          <a:spcPct val="115000"/>
-                        </a:lnSpc>
-                        <a:spcBef>
-                          <a:spcPts val="0"/>
-                        </a:spcBef>
-                        <a:spcAft>
-                          <a:spcPts val="0"/>
-                        </a:spcAft>
-                      </a:pPr>
-                      <a:r>
-                        <a:rPr lang="en-US" sz="1800">
-                          <a:effectLst/>
-                        </a:rPr>
-                        <a:t>User Interface design</a:t>
-                      </a:r>
-                      <a:endParaRPr lang="en-US" sz="1800">
-                        <a:effectLst/>
-                        <a:latin typeface="Times New Roman" panose="02020603050405020304" pitchFamily="18" charset="0"/>
-                        <a:ea typeface="Calibri" panose="020F0502020204030204" pitchFamily="34" charset="0"/>
-                        <a:cs typeface="Cordia New" panose="020B0304020202020204" pitchFamily="34" charset="-34"/>
-                      </a:endParaRPr>
-                    </a:p>
-                  </a:txBody>
-                  <a:tcPr marL="55047" marR="55047" marT="0" marB="0"/>
-                </a:tc>
-                <a:tc>
-                  <a:txBody>
-                    <a:bodyPr/>
-                    <a:lstStyle/>
-                    <a:p>
-                      <a:pPr marL="0" marR="0" algn="just">
-                        <a:lnSpc>
-                          <a:spcPct val="115000"/>
-                        </a:lnSpc>
-                        <a:spcBef>
-                          <a:spcPts val="0"/>
-                        </a:spcBef>
-                        <a:spcAft>
-                          <a:spcPts val="0"/>
-                        </a:spcAft>
-                      </a:pPr>
-                      <a:r>
-                        <a:rPr lang="en-US" sz="1800" dirty="0">
-                          <a:effectLst/>
-                        </a:rPr>
-                        <a:t>14 day</a:t>
-                      </a:r>
-                      <a:endParaRPr lang="en-US" sz="1800" dirty="0">
-                        <a:effectLst/>
-                        <a:latin typeface="Times New Roman" panose="02020603050405020304" pitchFamily="18" charset="0"/>
-                        <a:ea typeface="Calibri" panose="020F0502020204030204" pitchFamily="34" charset="0"/>
-                        <a:cs typeface="Cordia New" panose="020B0304020202020204" pitchFamily="34" charset="-34"/>
-                      </a:endParaRPr>
-                    </a:p>
-                  </a:txBody>
-                  <a:tcPr marL="55047" marR="55047" marT="0" marB="0"/>
-                </a:tc>
-                <a:tc>
-                  <a:txBody>
-                    <a:bodyPr/>
-                    <a:lstStyle/>
-                    <a:p>
-                      <a:pPr marL="0" marR="0">
-                        <a:lnSpc>
-                          <a:spcPct val="115000"/>
-                        </a:lnSpc>
-                        <a:spcBef>
-                          <a:spcPts val="0"/>
-                        </a:spcBef>
-                        <a:spcAft>
-                          <a:spcPts val="0"/>
-                        </a:spcAft>
-                      </a:pPr>
-                      <a:r>
-                        <a:rPr lang="en-US" sz="1800" dirty="0">
-                          <a:effectLst/>
-                        </a:rPr>
-                        <a:t>Dictionary Viet Nam – Laos for </a:t>
-                      </a:r>
-                      <a:r>
-                        <a:rPr lang="en-US" sz="1800" dirty="0" smtClean="0">
-                          <a:effectLst/>
-                        </a:rPr>
-                        <a:t>Android</a:t>
-                      </a:r>
-                      <a:endParaRPr lang="en-US" sz="1800" dirty="0">
-                        <a:effectLst/>
-                        <a:latin typeface="Times New Roman" panose="02020603050405020304" pitchFamily="18" charset="0"/>
-                        <a:ea typeface="Calibri" panose="020F0502020204030204" pitchFamily="34" charset="0"/>
-                        <a:cs typeface="Cordia New" panose="020B0304020202020204" pitchFamily="34" charset="-34"/>
-                      </a:endParaRPr>
-                    </a:p>
-                  </a:txBody>
-                  <a:tcPr marL="55047" marR="55047" marT="0" marB="0"/>
-                </a:tc>
-                <a:extLst>
-                  <a:ext uri="{0D108BD9-81ED-4DB2-BD59-A6C34878D82A}">
-                    <a16:rowId xmlns:a16="http://schemas.microsoft.com/office/drawing/2014/main" val="1466139490"/>
-                  </a:ext>
-                </a:extLst>
-              </a:tr>
-              <a:tr h="653989">
-                <a:tc>
-                  <a:txBody>
-                    <a:bodyPr/>
-                    <a:lstStyle/>
-                    <a:p>
-                      <a:pPr marL="0" marR="0" algn="just">
-                        <a:lnSpc>
-                          <a:spcPct val="115000"/>
-                        </a:lnSpc>
-                        <a:spcBef>
-                          <a:spcPts val="0"/>
-                        </a:spcBef>
-                        <a:spcAft>
-                          <a:spcPts val="0"/>
-                        </a:spcAft>
-                      </a:pPr>
-                      <a:r>
-                        <a:rPr lang="en-US" sz="1800">
-                          <a:effectLst/>
-                        </a:rPr>
-                        <a:t>27/3/2017</a:t>
-                      </a:r>
-                      <a:endParaRPr lang="en-US" sz="1800">
-                        <a:effectLst/>
-                        <a:latin typeface="Times New Roman" panose="02020603050405020304" pitchFamily="18" charset="0"/>
-                        <a:ea typeface="Calibri" panose="020F0502020204030204" pitchFamily="34" charset="0"/>
-                        <a:cs typeface="Cordia New" panose="020B0304020202020204" pitchFamily="34" charset="-34"/>
-                      </a:endParaRPr>
-                    </a:p>
-                  </a:txBody>
-                  <a:tcPr marL="55047" marR="55047" marT="0" marB="0"/>
-                </a:tc>
-                <a:tc>
-                  <a:txBody>
-                    <a:bodyPr/>
-                    <a:lstStyle/>
-                    <a:p>
-                      <a:pPr marL="0" marR="0" algn="just">
-                        <a:lnSpc>
-                          <a:spcPct val="115000"/>
-                        </a:lnSpc>
-                        <a:spcBef>
-                          <a:spcPts val="0"/>
-                        </a:spcBef>
-                        <a:spcAft>
-                          <a:spcPts val="0"/>
-                        </a:spcAft>
-                      </a:pPr>
-                      <a:r>
-                        <a:rPr lang="en-US" sz="1800">
-                          <a:effectLst/>
-                        </a:rPr>
-                        <a:t>Testing</a:t>
-                      </a:r>
-                      <a:endParaRPr lang="en-US" sz="1800">
-                        <a:effectLst/>
-                        <a:latin typeface="Times New Roman" panose="02020603050405020304" pitchFamily="18" charset="0"/>
-                        <a:ea typeface="Calibri" panose="020F0502020204030204" pitchFamily="34" charset="0"/>
-                        <a:cs typeface="Cordia New" panose="020B0304020202020204" pitchFamily="34" charset="-34"/>
-                      </a:endParaRPr>
-                    </a:p>
-                  </a:txBody>
-                  <a:tcPr marL="55047" marR="55047" marT="0" marB="0"/>
-                </a:tc>
-                <a:tc>
-                  <a:txBody>
-                    <a:bodyPr/>
-                    <a:lstStyle/>
-                    <a:p>
-                      <a:pPr marL="0" marR="0" algn="just">
-                        <a:lnSpc>
-                          <a:spcPct val="115000"/>
-                        </a:lnSpc>
-                        <a:spcBef>
-                          <a:spcPts val="0"/>
-                        </a:spcBef>
-                        <a:spcAft>
-                          <a:spcPts val="0"/>
-                        </a:spcAft>
-                      </a:pPr>
-                      <a:r>
-                        <a:rPr lang="en-US" sz="1800" dirty="0">
-                          <a:effectLst/>
-                        </a:rPr>
-                        <a:t>7 day</a:t>
-                      </a:r>
-                      <a:endParaRPr lang="en-US" sz="1800" dirty="0">
-                        <a:effectLst/>
-                        <a:latin typeface="Times New Roman" panose="02020603050405020304" pitchFamily="18" charset="0"/>
-                        <a:ea typeface="Calibri" panose="020F0502020204030204" pitchFamily="34" charset="0"/>
-                        <a:cs typeface="Cordia New" panose="020B0304020202020204" pitchFamily="34" charset="-34"/>
-                      </a:endParaRPr>
-                    </a:p>
-                  </a:txBody>
-                  <a:tcPr marL="55047" marR="55047" marT="0" marB="0"/>
-                </a:tc>
-                <a:tc>
-                  <a:txBody>
-                    <a:bodyPr/>
-                    <a:lstStyle/>
-                    <a:p>
-                      <a:pPr marL="0" marR="0">
-                        <a:lnSpc>
-                          <a:spcPct val="115000"/>
-                        </a:lnSpc>
-                        <a:spcBef>
-                          <a:spcPts val="0"/>
-                        </a:spcBef>
-                        <a:spcAft>
-                          <a:spcPts val="0"/>
-                        </a:spcAft>
-                      </a:pPr>
-                      <a:r>
-                        <a:rPr lang="en-US" sz="1800">
-                          <a:effectLst/>
-                        </a:rPr>
-                        <a:t>Fix bug.</a:t>
-                      </a:r>
-                    </a:p>
-                    <a:p>
-                      <a:pPr marL="0" marR="0">
-                        <a:lnSpc>
-                          <a:spcPct val="115000"/>
-                        </a:lnSpc>
-                        <a:spcBef>
-                          <a:spcPts val="0"/>
-                        </a:spcBef>
-                        <a:spcAft>
-                          <a:spcPts val="0"/>
-                        </a:spcAft>
-                      </a:pPr>
-                      <a:r>
-                        <a:rPr lang="en-US" sz="1800">
-                          <a:effectLst/>
-                        </a:rPr>
-                        <a:t>Fix logic error.</a:t>
-                      </a:r>
-                      <a:endParaRPr lang="en-US" sz="1800">
-                        <a:effectLst/>
-                        <a:latin typeface="Times New Roman" panose="02020603050405020304" pitchFamily="18" charset="0"/>
-                        <a:ea typeface="Calibri" panose="020F0502020204030204" pitchFamily="34" charset="0"/>
-                        <a:cs typeface="Cordia New" panose="020B0304020202020204" pitchFamily="34" charset="-34"/>
-                      </a:endParaRPr>
-                    </a:p>
-                  </a:txBody>
-                  <a:tcPr marL="55047" marR="55047" marT="0" marB="0"/>
-                </a:tc>
-                <a:extLst>
-                  <a:ext uri="{0D108BD9-81ED-4DB2-BD59-A6C34878D82A}">
-                    <a16:rowId xmlns:a16="http://schemas.microsoft.com/office/drawing/2014/main" val="2184297339"/>
-                  </a:ext>
-                </a:extLst>
-              </a:tr>
-              <a:tr h="326995">
-                <a:tc>
-                  <a:txBody>
-                    <a:bodyPr/>
-                    <a:lstStyle/>
-                    <a:p>
-                      <a:pPr marL="0" marR="0" algn="just">
-                        <a:lnSpc>
-                          <a:spcPct val="115000"/>
-                        </a:lnSpc>
-                        <a:spcBef>
-                          <a:spcPts val="0"/>
-                        </a:spcBef>
-                        <a:spcAft>
-                          <a:spcPts val="0"/>
-                        </a:spcAft>
-                      </a:pPr>
-                      <a:r>
-                        <a:rPr lang="en-US" sz="1800">
-                          <a:effectLst/>
-                        </a:rPr>
-                        <a:t>03/4/2017</a:t>
-                      </a:r>
-                      <a:endParaRPr lang="en-US" sz="1800">
-                        <a:effectLst/>
-                        <a:latin typeface="Times New Roman" panose="02020603050405020304" pitchFamily="18" charset="0"/>
-                        <a:ea typeface="Calibri" panose="020F0502020204030204" pitchFamily="34" charset="0"/>
-                        <a:cs typeface="Cordia New" panose="020B0304020202020204" pitchFamily="34" charset="-34"/>
-                      </a:endParaRPr>
-                    </a:p>
-                  </a:txBody>
-                  <a:tcPr marL="55047" marR="55047" marT="0" marB="0"/>
-                </a:tc>
-                <a:tc>
-                  <a:txBody>
-                    <a:bodyPr/>
-                    <a:lstStyle/>
-                    <a:p>
-                      <a:pPr marL="0" marR="0" algn="just">
-                        <a:lnSpc>
-                          <a:spcPct val="115000"/>
-                        </a:lnSpc>
-                        <a:spcBef>
-                          <a:spcPts val="0"/>
-                        </a:spcBef>
-                        <a:spcAft>
-                          <a:spcPts val="0"/>
-                        </a:spcAft>
-                      </a:pPr>
-                      <a:r>
-                        <a:rPr lang="en-US" sz="1800">
-                          <a:effectLst/>
-                        </a:rPr>
-                        <a:t>Implementation</a:t>
-                      </a:r>
-                      <a:endParaRPr lang="en-US" sz="1800">
-                        <a:effectLst/>
-                        <a:latin typeface="Times New Roman" panose="02020603050405020304" pitchFamily="18" charset="0"/>
-                        <a:ea typeface="Calibri" panose="020F0502020204030204" pitchFamily="34" charset="0"/>
-                        <a:cs typeface="Cordia New" panose="020B0304020202020204" pitchFamily="34" charset="-34"/>
-                      </a:endParaRPr>
-                    </a:p>
-                  </a:txBody>
-                  <a:tcPr marL="55047" marR="55047" marT="0" marB="0"/>
-                </a:tc>
-                <a:tc>
-                  <a:txBody>
-                    <a:bodyPr/>
-                    <a:lstStyle/>
-                    <a:p>
-                      <a:pPr marL="0" marR="0" algn="just">
-                        <a:lnSpc>
-                          <a:spcPct val="115000"/>
-                        </a:lnSpc>
-                        <a:spcBef>
-                          <a:spcPts val="0"/>
-                        </a:spcBef>
-                        <a:spcAft>
-                          <a:spcPts val="0"/>
-                        </a:spcAft>
-                      </a:pPr>
-                      <a:r>
-                        <a:rPr lang="en-US" sz="1800" dirty="0">
-                          <a:effectLst/>
-                        </a:rPr>
-                        <a:t>7 day</a:t>
-                      </a:r>
-                      <a:endParaRPr lang="en-US" sz="1800" dirty="0">
-                        <a:effectLst/>
-                        <a:latin typeface="Times New Roman" panose="02020603050405020304" pitchFamily="18" charset="0"/>
-                        <a:ea typeface="Calibri" panose="020F0502020204030204" pitchFamily="34" charset="0"/>
-                        <a:cs typeface="Cordia New" panose="020B0304020202020204" pitchFamily="34" charset="-34"/>
-                      </a:endParaRPr>
-                    </a:p>
-                  </a:txBody>
-                  <a:tcPr marL="55047" marR="55047" marT="0" marB="0"/>
-                </a:tc>
-                <a:tc>
-                  <a:txBody>
-                    <a:bodyPr/>
-                    <a:lstStyle/>
-                    <a:p>
-                      <a:pPr marL="0" marR="0">
-                        <a:lnSpc>
-                          <a:spcPct val="115000"/>
-                        </a:lnSpc>
-                        <a:spcBef>
-                          <a:spcPts val="0"/>
-                        </a:spcBef>
-                        <a:spcAft>
-                          <a:spcPts val="0"/>
-                        </a:spcAft>
-                      </a:pPr>
-                      <a:r>
-                        <a:rPr lang="en-US" sz="1800">
-                          <a:effectLst/>
-                        </a:rPr>
-                        <a:t> </a:t>
-                      </a:r>
-                      <a:endParaRPr lang="en-US" sz="1800">
-                        <a:effectLst/>
-                        <a:latin typeface="Times New Roman" panose="02020603050405020304" pitchFamily="18" charset="0"/>
-                        <a:ea typeface="Calibri" panose="020F0502020204030204" pitchFamily="34" charset="0"/>
-                        <a:cs typeface="Cordia New" panose="020B0304020202020204" pitchFamily="34" charset="-34"/>
-                      </a:endParaRPr>
-                    </a:p>
-                  </a:txBody>
-                  <a:tcPr marL="55047" marR="55047" marT="0" marB="0"/>
-                </a:tc>
-                <a:extLst>
-                  <a:ext uri="{0D108BD9-81ED-4DB2-BD59-A6C34878D82A}">
-                    <a16:rowId xmlns:a16="http://schemas.microsoft.com/office/drawing/2014/main" val="767973544"/>
-                  </a:ext>
-                </a:extLst>
-              </a:tr>
-              <a:tr h="378726">
-                <a:tc>
-                  <a:txBody>
-                    <a:bodyPr/>
-                    <a:lstStyle/>
-                    <a:p>
-                      <a:pPr marL="0" marR="0" algn="just">
-                        <a:lnSpc>
-                          <a:spcPct val="115000"/>
-                        </a:lnSpc>
-                        <a:spcBef>
-                          <a:spcPts val="0"/>
-                        </a:spcBef>
-                        <a:spcAft>
-                          <a:spcPts val="0"/>
-                        </a:spcAft>
-                      </a:pPr>
-                      <a:r>
-                        <a:rPr lang="en-US" sz="1800" dirty="0">
-                          <a:effectLst/>
-                        </a:rPr>
-                        <a:t>10/4/2017</a:t>
-                      </a:r>
-                      <a:endParaRPr lang="en-US" sz="1800" dirty="0">
-                        <a:effectLst/>
-                        <a:latin typeface="Times New Roman" panose="02020603050405020304" pitchFamily="18" charset="0"/>
-                        <a:ea typeface="Calibri" panose="020F0502020204030204" pitchFamily="34" charset="0"/>
-                        <a:cs typeface="Cordia New" panose="020B0304020202020204" pitchFamily="34" charset="-34"/>
-                      </a:endParaRPr>
-                    </a:p>
-                  </a:txBody>
-                  <a:tcPr marL="55047" marR="55047" marT="0" marB="0"/>
-                </a:tc>
-                <a:tc gridSpan="3">
-                  <a:txBody>
-                    <a:bodyPr/>
-                    <a:lstStyle/>
-                    <a:p>
-                      <a:pPr marL="0" marR="0" algn="ctr">
-                        <a:lnSpc>
-                          <a:spcPct val="115000"/>
-                        </a:lnSpc>
-                        <a:spcBef>
-                          <a:spcPts val="0"/>
-                        </a:spcBef>
-                        <a:spcAft>
-                          <a:spcPts val="0"/>
-                        </a:spcAft>
-                      </a:pPr>
-                      <a:r>
-                        <a:rPr lang="en-US" sz="1800" b="1" dirty="0" smtClean="0">
-                          <a:effectLst/>
-                        </a:rPr>
-                        <a:t>Presentation</a:t>
-                      </a:r>
-                      <a:endParaRPr lang="en-US" sz="1800" b="1" dirty="0" smtClean="0">
-                        <a:effectLst/>
-                        <a:latin typeface="Times New Roman" panose="02020603050405020304" pitchFamily="18" charset="0"/>
-                        <a:ea typeface="Calibri" panose="020F0502020204030204" pitchFamily="34" charset="0"/>
-                        <a:cs typeface="Cordia New" panose="020B0304020202020204" pitchFamily="34" charset="-34"/>
-                      </a:endParaRPr>
-                    </a:p>
-                  </a:txBody>
-                  <a:tcPr marL="55047" marR="55047" marT="0" marB="0"/>
-                </a:tc>
-                <a:tc hMerge="1">
-                  <a:txBody>
-                    <a:bodyPr/>
-                    <a:lstStyle/>
-                    <a:p>
-                      <a:pPr marL="0" marR="0" algn="just">
-                        <a:lnSpc>
-                          <a:spcPct val="115000"/>
-                        </a:lnSpc>
-                        <a:spcBef>
-                          <a:spcPts val="0"/>
-                        </a:spcBef>
-                        <a:spcAft>
-                          <a:spcPts val="0"/>
-                        </a:spcAft>
-                      </a:pPr>
-                      <a:endParaRPr lang="en-US" sz="1800" dirty="0">
-                        <a:effectLst/>
-                        <a:latin typeface="Times New Roman" panose="02020603050405020304" pitchFamily="18" charset="0"/>
-                        <a:ea typeface="Calibri" panose="020F0502020204030204" pitchFamily="34" charset="0"/>
-                        <a:cs typeface="Cordia New" panose="020B0304020202020204" pitchFamily="34" charset="-34"/>
-                      </a:endParaRPr>
-                    </a:p>
-                  </a:txBody>
-                  <a:tcPr marL="55047" marR="55047" marT="0" marB="0"/>
-                </a:tc>
-                <a:tc hMerge="1">
-                  <a:txBody>
-                    <a:bodyPr/>
-                    <a:lstStyle/>
-                    <a:p>
-                      <a:pPr marL="0" marR="0">
-                        <a:lnSpc>
-                          <a:spcPct val="115000"/>
-                        </a:lnSpc>
-                        <a:spcBef>
-                          <a:spcPts val="0"/>
-                        </a:spcBef>
-                        <a:spcAft>
-                          <a:spcPts val="0"/>
-                        </a:spcAft>
-                      </a:pPr>
-                      <a:endParaRPr lang="en-US" sz="1800" dirty="0">
-                        <a:effectLst/>
-                        <a:latin typeface="Times New Roman" panose="02020603050405020304" pitchFamily="18" charset="0"/>
-                        <a:ea typeface="Calibri" panose="020F0502020204030204" pitchFamily="34" charset="0"/>
-                        <a:cs typeface="Cordia New" panose="020B0304020202020204" pitchFamily="34" charset="-34"/>
-                      </a:endParaRPr>
-                    </a:p>
-                  </a:txBody>
-                  <a:tcPr marL="55047" marR="55047" marT="0" marB="0"/>
-                </a:tc>
-                <a:extLst>
-                  <a:ext uri="{0D108BD9-81ED-4DB2-BD59-A6C34878D82A}">
-                    <a16:rowId xmlns:a16="http://schemas.microsoft.com/office/drawing/2014/main" val="3838613931"/>
-                  </a:ext>
-                </a:extLst>
-              </a:tr>
-            </a:tbl>
-          </a:graphicData>
-        </a:graphic>
-      </p:graphicFrame>
-    </p:spTree>
-    <p:extLst>
-      <p:ext uri="{BB962C8B-B14F-4D97-AF65-F5344CB8AC3E}">
-        <p14:creationId xmlns:p14="http://schemas.microsoft.com/office/powerpoint/2010/main" val="2418232292"/>
-      </p:ext>
-    </p:extLst>
-  </p:cSld>
-  <p:clrMapOvr>
-    <a:masterClrMapping/>
-  </p:clrMapOvr>
-  <p:timing>
-    <p:tnLst>
-      <p:par>
-        <p:cTn id="1" dur="indefinite" restart="never" nodeType="tmRoot">
-          <p:childTnLst>
-            <p:seq concurrent="1" nextAc="seek">
-              <p:cTn id="2" dur="indefinite" nodeType="mainSeq">
-                <p:childTnLst>
-                  <p:par>
-                    <p:cTn id="3" fill="hold">
-                      <p:stCondLst>
-                        <p:cond delay="indefinite"/>
-                      </p:stCondLst>
-                      <p:childTnLst>
-                        <p:par>
-                          <p:cTn id="4" fill="hold">
-                            <p:stCondLst>
-                              <p:cond delay="0"/>
-                            </p:stCondLst>
-                            <p:childTnLst>
-                              <p:par>
-                                <p:cTn id="5" presetID="42" presetClass="entr" presetSubtype="0" fill="hold" grpId="0" nodeType="clickEffect">
-                                  <p:stCondLst>
-                                    <p:cond delay="0"/>
-                                  </p:stCondLst>
-                                  <p:childTnLst>
-                                    <p:set>
-                                      <p:cBhvr>
-                                        <p:cTn id="6" dur="1" fill="hold">
-                                          <p:stCondLst>
-                                            <p:cond delay="0"/>
-                                          </p:stCondLst>
-                                        </p:cTn>
-                                        <p:tgtEl>
-                                          <p:spTgt spid="2"/>
-                                        </p:tgtEl>
-                                        <p:attrNameLst>
-                                          <p:attrName>style.visibility</p:attrName>
-                                        </p:attrNameLst>
-                                      </p:cBhvr>
-                                      <p:to>
-                                        <p:strVal val="visible"/>
-                                      </p:to>
-                                    </p:set>
-                                    <p:animEffect transition="in" filter="fade">
-                                      <p:cBhvr>
-                                        <p:cTn id="7" dur="1000"/>
-                                        <p:tgtEl>
-                                          <p:spTgt spid="2"/>
-                                        </p:tgtEl>
-                                      </p:cBhvr>
-                                    </p:animEffect>
-                                    <p:anim calcmode="lin" valueType="num">
-                                      <p:cBhvr>
-                                        <p:cTn id="8" dur="1000" fill="hold"/>
-                                        <p:tgtEl>
-                                          <p:spTgt spid="2"/>
-                                        </p:tgtEl>
-                                        <p:attrNameLst>
-                                          <p:attrName>ppt_x</p:attrName>
-                                        </p:attrNameLst>
-                                      </p:cBhvr>
-                                      <p:tavLst>
-                                        <p:tav tm="0">
-                                          <p:val>
-                                            <p:strVal val="#ppt_x"/>
-                                          </p:val>
-                                        </p:tav>
-                                        <p:tav tm="100000">
-                                          <p:val>
-                                            <p:strVal val="#ppt_x"/>
-                                          </p:val>
-                                        </p:tav>
-                                      </p:tavLst>
-                                    </p:anim>
-                                    <p:anim calcmode="lin" valueType="num">
-                                      <p:cBhvr>
-                                        <p:cTn id="9" dur="1000" fill="hold"/>
-                                        <p:tgtEl>
-                                          <p:spTgt spid="2"/>
-                                        </p:tgtEl>
-                                        <p:attrNameLst>
-                                          <p:attrName>ppt_y</p:attrName>
-                                        </p:attrNameLst>
-                                      </p:cBhvr>
-                                      <p:tavLst>
-                                        <p:tav tm="0">
-                                          <p:val>
-                                            <p:strVal val="#ppt_y+.1"/>
-                                          </p:val>
-                                        </p:tav>
-                                        <p:tav tm="100000">
-                                          <p:val>
-                                            <p:strVal val="#ppt_y"/>
-                                          </p:val>
-                                        </p:tav>
-                                      </p:tavLst>
-                                    </p:anim>
-                                  </p:childTnLst>
-                                </p:cTn>
-                              </p:par>
-                            </p:childTnLst>
-                          </p:cTn>
-                        </p:par>
-                      </p:childTnLst>
-                    </p:cTn>
-                  </p:par>
-                  <p:par>
-                    <p:cTn id="10" fill="hold">
-                      <p:stCondLst>
-                        <p:cond delay="indefinite"/>
-                      </p:stCondLst>
-                      <p:childTnLst>
-                        <p:par>
-                          <p:cTn id="11" fill="hold">
-                            <p:stCondLst>
-                              <p:cond delay="0"/>
-                            </p:stCondLst>
-                            <p:childTnLst>
-                              <p:par>
-                                <p:cTn id="12" presetID="16" presetClass="entr" presetSubtype="21" fill="hold" nodeType="clickEffect">
-                                  <p:stCondLst>
-                                    <p:cond delay="0"/>
-                                  </p:stCondLst>
-                                  <p:childTnLst>
-                                    <p:set>
-                                      <p:cBhvr>
-                                        <p:cTn id="13" dur="1" fill="hold">
-                                          <p:stCondLst>
-                                            <p:cond delay="0"/>
-                                          </p:stCondLst>
-                                        </p:cTn>
-                                        <p:tgtEl>
-                                          <p:spTgt spid="4"/>
-                                        </p:tgtEl>
-                                        <p:attrNameLst>
-                                          <p:attrName>style.visibility</p:attrName>
-                                        </p:attrNameLst>
-                                      </p:cBhvr>
-                                      <p:to>
-                                        <p:strVal val="visible"/>
-                                      </p:to>
-                                    </p:set>
-                                    <p:animEffect transition="in" filter="barn(inVertical)">
-                                      <p:cBhvr>
-                                        <p:cTn id="14" dur="500"/>
-                                        <p:tgtEl>
-                                          <p:spTgt spid="4"/>
-                                        </p:tgtEl>
-                                      </p:cBhvr>
-                                    </p:animEffect>
-                                  </p:childTnLst>
-                                </p:cTn>
-                              </p:par>
-                            </p:childTnLst>
-                          </p:cTn>
-                        </p:par>
-                      </p:childTnLst>
-                    </p:cTn>
-                  </p:par>
-                </p:childTnLst>
-              </p:cTn>
-              <p:prevCondLst>
-                <p:cond evt="onPrev" delay="0">
-                  <p:tgtEl>
-                    <p:sldTgt/>
-                  </p:tgtEl>
-                </p:cond>
-              </p:prevCondLst>
-              <p:nextCondLst>
-                <p:cond evt="onNext" delay="0">
-                  <p:tgtEl>
-                    <p:sldTgt/>
-                  </p:tgtEl>
-                </p:cond>
-              </p:nextCondLst>
-            </p:seq>
-          </p:childTnLst>
-        </p:cTn>
-      </p:par>
-    </p:tnLst>
-    <p:bldLst>
-      <p:bldP spid="2" grpId="0"/>
-    </p:bldLst>
-  </p:timing>
-</p:sld>
-</file>
-
 <file path=ppt/theme/theme1.xml><?xml version="1.0" encoding="utf-8"?>
 <a:theme xmlns:a="http://schemas.openxmlformats.org/drawingml/2006/main" name="Facet">
   <a:themeElements>
